--- a/Bosch_Learning_Material/GIT_PPT/GIT_Proposal.pptx
+++ b/Bosch_Learning_Material/GIT_PPT/GIT_Proposal.pptx
@@ -274,10 +274,10 @@
           <a:p>
             <a:pPr lvl="0"/>
             <a:r>
-              <a:rPr lang="en-US" smtClean="0"/>
+              <a:rPr lang="en-US"/>
               <a:t>Click to edit Master title style</a:t>
             </a:r>
-            <a:endParaRPr lang="de-DE" dirty="0" smtClean="0"/>
+            <a:endParaRPr lang="de-DE" dirty="0"/>
           </a:p>
         </p:txBody>
       </p:sp>
@@ -327,7 +327,7 @@
           <a:lstStyle/>
           <a:p>
             <a:r>
-              <a:rPr lang="en-US" smtClean="0"/>
+              <a:rPr lang="en-US"/>
               <a:t>Click to edit Master title style</a:t>
             </a:r>
             <a:endParaRPr lang="de-DE"/>
@@ -351,35 +351,35 @@
           <a:p>
             <a:pPr lvl="0"/>
             <a:r>
-              <a:rPr lang="en-US" smtClean="0"/>
+              <a:rPr lang="en-US"/>
               <a:t>Click to edit Master text styles</a:t>
             </a:r>
           </a:p>
           <a:p>
             <a:pPr lvl="1"/>
             <a:r>
-              <a:rPr lang="en-US" smtClean="0"/>
+              <a:rPr lang="en-US"/>
               <a:t>Second level</a:t>
             </a:r>
           </a:p>
           <a:p>
             <a:pPr lvl="2"/>
             <a:r>
-              <a:rPr lang="en-US" smtClean="0"/>
+              <a:rPr lang="en-US"/>
               <a:t>Third level</a:t>
             </a:r>
           </a:p>
           <a:p>
             <a:pPr lvl="3"/>
             <a:r>
-              <a:rPr lang="en-US" smtClean="0"/>
+              <a:rPr lang="en-US"/>
               <a:t>Fourth level</a:t>
             </a:r>
           </a:p>
           <a:p>
             <a:pPr lvl="4"/>
             <a:r>
-              <a:rPr lang="en-US" smtClean="0"/>
+              <a:rPr lang="en-US"/>
               <a:t>Fifth level</a:t>
             </a:r>
             <a:endParaRPr lang="de-DE"/>
@@ -460,7 +460,7 @@
           <a:lstStyle/>
           <a:p>
             <a:r>
-              <a:rPr lang="en-US" smtClean="0"/>
+              <a:rPr lang="en-US"/>
               <a:t>Click to edit Master title style</a:t>
             </a:r>
             <a:endParaRPr lang="de-DE"/>
@@ -512,35 +512,35 @@
           <a:p>
             <a:pPr lvl="0"/>
             <a:r>
-              <a:rPr lang="en-US" smtClean="0"/>
+              <a:rPr lang="en-US"/>
               <a:t>Click to edit Master text styles</a:t>
             </a:r>
           </a:p>
           <a:p>
             <a:pPr lvl="1"/>
             <a:r>
-              <a:rPr lang="en-US" smtClean="0"/>
+              <a:rPr lang="en-US"/>
               <a:t>Second level</a:t>
             </a:r>
           </a:p>
           <a:p>
             <a:pPr lvl="2"/>
             <a:r>
-              <a:rPr lang="en-US" smtClean="0"/>
+              <a:rPr lang="en-US"/>
               <a:t>Third level</a:t>
             </a:r>
           </a:p>
           <a:p>
             <a:pPr lvl="3"/>
             <a:r>
-              <a:rPr lang="en-US" smtClean="0"/>
+              <a:rPr lang="en-US"/>
               <a:t>Fourth level</a:t>
             </a:r>
           </a:p>
           <a:p>
             <a:pPr lvl="4"/>
             <a:r>
-              <a:rPr lang="en-US" smtClean="0"/>
+              <a:rPr lang="en-US"/>
               <a:t>Fifth level</a:t>
             </a:r>
             <a:endParaRPr lang="de-DE"/>
@@ -569,35 +569,35 @@
           <a:p>
             <a:pPr lvl="0"/>
             <a:r>
-              <a:rPr lang="en-US" smtClean="0"/>
+              <a:rPr lang="en-US"/>
               <a:t>Click to edit Master text styles</a:t>
             </a:r>
           </a:p>
           <a:p>
             <a:pPr lvl="1"/>
             <a:r>
-              <a:rPr lang="en-US" smtClean="0"/>
+              <a:rPr lang="en-US"/>
               <a:t>Second level</a:t>
             </a:r>
           </a:p>
           <a:p>
             <a:pPr lvl="2"/>
             <a:r>
-              <a:rPr lang="en-US" smtClean="0"/>
+              <a:rPr lang="en-US"/>
               <a:t>Third level</a:t>
             </a:r>
           </a:p>
           <a:p>
             <a:pPr lvl="3"/>
             <a:r>
-              <a:rPr lang="en-US" smtClean="0"/>
+              <a:rPr lang="en-US"/>
               <a:t>Fourth level</a:t>
             </a:r>
           </a:p>
           <a:p>
             <a:pPr lvl="4"/>
             <a:r>
-              <a:rPr lang="en-US" smtClean="0"/>
+              <a:rPr lang="en-US"/>
               <a:t>Fifth level</a:t>
             </a:r>
             <a:endParaRPr lang="de-DE"/>
@@ -695,10 +695,9 @@
           </a:lstStyle>
           <a:p>
             <a:r>
-              <a:rPr lang="en-US" smtClean="0"/>
+              <a:rPr lang="en-US"/>
               <a:t>Click to edit Master title style</a:t>
             </a:r>
-            <a:endParaRPr lang="en-US"/>
           </a:p>
         </p:txBody>
       </p:sp>
@@ -799,10 +798,9 @@
           </a:lstStyle>
           <a:p>
             <a:r>
-              <a:rPr lang="en-US" smtClean="0"/>
+              <a:rPr lang="en-US"/>
               <a:t>Click to edit Master subtitle style</a:t>
             </a:r>
-            <a:endParaRPr lang="en-US"/>
           </a:p>
         </p:txBody>
       </p:sp>
@@ -1695,7 +1693,7 @@
           <a:p>
             <a:pPr lvl="0"/>
             <a:r>
-              <a:rPr lang="de-DE" dirty="0" smtClean="0"/>
+              <a:rPr lang="de-DE" dirty="0"/>
               <a:t>Titelmasterformat durch Klicken bearbeiten</a:t>
             </a:r>
           </a:p>
@@ -1740,63 +1738,63 @@
           <a:p>
             <a:pPr lvl="0"/>
             <a:r>
-              <a:rPr lang="de-DE" dirty="0" smtClean="0"/>
+              <a:rPr lang="de-DE" dirty="0"/>
               <a:t>Textmasterformate durch Klicken bearbeiten</a:t>
             </a:r>
           </a:p>
           <a:p>
             <a:pPr lvl="1"/>
             <a:r>
-              <a:rPr lang="de-DE" dirty="0" smtClean="0"/>
+              <a:rPr lang="de-DE" dirty="0"/>
               <a:t>Zweite Ebene</a:t>
             </a:r>
           </a:p>
           <a:p>
             <a:pPr lvl="2"/>
             <a:r>
-              <a:rPr lang="de-DE" dirty="0" smtClean="0"/>
+              <a:rPr lang="de-DE" dirty="0"/>
               <a:t>Dritte Ebene</a:t>
             </a:r>
           </a:p>
           <a:p>
             <a:pPr lvl="3"/>
             <a:r>
-              <a:rPr lang="de-DE" dirty="0" smtClean="0"/>
+              <a:rPr lang="de-DE" dirty="0"/>
               <a:t>Vierte Ebene</a:t>
             </a:r>
           </a:p>
           <a:p>
             <a:pPr lvl="4"/>
             <a:r>
-              <a:rPr lang="de-DE" dirty="0" smtClean="0"/>
+              <a:rPr lang="de-DE" dirty="0"/>
               <a:t>Fünfte Ebene</a:t>
             </a:r>
           </a:p>
           <a:p>
             <a:pPr lvl="5"/>
             <a:r>
-              <a:rPr lang="de-DE" dirty="0" smtClean="0"/>
+              <a:rPr lang="de-DE" dirty="0"/>
               <a:t>Sechste Ebene</a:t>
             </a:r>
           </a:p>
           <a:p>
             <a:pPr lvl="6"/>
             <a:r>
-              <a:rPr lang="de-DE" dirty="0" smtClean="0"/>
+              <a:rPr lang="de-DE" dirty="0"/>
               <a:t>Siebte Ebene</a:t>
             </a:r>
           </a:p>
           <a:p>
             <a:pPr lvl="7"/>
             <a:r>
-              <a:rPr lang="de-DE" dirty="0" smtClean="0"/>
+              <a:rPr lang="de-DE" dirty="0"/>
               <a:t>Achte Ebene</a:t>
             </a:r>
           </a:p>
           <a:p>
             <a:pPr lvl="8"/>
             <a:r>
-              <a:rPr lang="de-DE" dirty="0" smtClean="0"/>
+              <a:rPr lang="de-DE" dirty="0"/>
               <a:t>Neunte Ebene</a:t>
             </a:r>
           </a:p>
@@ -2443,18 +2441,13 @@
               </a:lnSpc>
             </a:pPr>
             <a:r>
-              <a:rPr lang="en-US" sz="700" dirty="0" smtClean="0">
+              <a:rPr lang="en-US" sz="700" dirty="0">
                 <a:solidFill>
                   <a:srgbClr val="707070"/>
                 </a:solidFill>
               </a:rPr>
               <a:t>Internal  | RBEI/ECA | 6/17/2016 | ©  Robert Bosch Engineering and Business Solutions Private Limited 2016. All rights reserved, also regarding any disposal, exploitation, reproduction, editing, distribution, as well as in the event of applications for industrial property rights.</a:t>
             </a:r>
-            <a:endParaRPr lang="en-US" sz="700" dirty="0">
-              <a:solidFill>
-                <a:srgbClr val="707070"/>
-              </a:solidFill>
-            </a:endParaRPr>
           </a:p>
         </p:txBody>
       </p:sp>
@@ -2507,18 +2500,13 @@
               </a:lnSpc>
             </a:pPr>
             <a:r>
-              <a:rPr lang="en-US" b="1" dirty="0" smtClean="0">
+              <a:rPr lang="en-US" b="1" dirty="0">
                 <a:solidFill>
                   <a:srgbClr val="FFFFFF"/>
                 </a:solidFill>
               </a:rPr>
               <a:t>GIT Proposal - Linux Modules</a:t>
             </a:r>
-            <a:endParaRPr lang="en-US" b="1" dirty="0">
-              <a:solidFill>
-                <a:srgbClr val="FFFFFF"/>
-              </a:solidFill>
-            </a:endParaRPr>
           </a:p>
         </p:txBody>
       </p:sp>
@@ -2652,18 +2640,13 @@
           <a:lstStyle/>
           <a:p>
             <a:r>
-              <a:rPr lang="en-US" sz="800" smtClean="0">
+              <a:rPr lang="en-US" sz="800">
                 <a:solidFill>
                   <a:srgbClr val="FFFFFF"/>
                 </a:solidFill>
               </a:rPr>
               <a:t> </a:t>
             </a:r>
-            <a:endParaRPr lang="en-US" sz="800">
-              <a:solidFill>
-                <a:srgbClr val="FFFFFF"/>
-              </a:solidFill>
-            </a:endParaRPr>
           </a:p>
         </p:txBody>
       </p:sp>
@@ -2960,7 +2943,7 @@
           <a:lstStyle/>
           <a:p>
             <a:r>
-              <a:rPr lang="en-US" sz="1600" b="1" dirty="0" smtClean="0"/>
+              <a:rPr lang="en-US" sz="1600" b="1" dirty="0"/>
               <a:t>Current Scenario</a:t>
             </a:r>
           </a:p>
@@ -2969,27 +2952,27 @@
           </a:p>
           <a:p>
             <a:r>
-              <a:rPr lang="en-US" sz="1400" dirty="0" smtClean="0"/>
+              <a:rPr lang="en-US" sz="1400" dirty="0"/>
               <a:t>SCM Tool – ClearCase (Base), UCM ClearCase in JLR</a:t>
             </a:r>
           </a:p>
           <a:p>
             <a:r>
-              <a:rPr lang="en-US" sz="1400" dirty="0" smtClean="0"/>
+              <a:rPr lang="en-US" sz="1400" dirty="0"/>
               <a:t>VOB - \</a:t>
             </a:r>
             <a:r>
-              <a:rPr lang="en-US" sz="1400" dirty="0" err="1" smtClean="0"/>
+              <a:rPr lang="en-US" sz="1400" dirty="0" err="1"/>
               <a:t>ai_ngi</a:t>
             </a:r>
-            <a:endParaRPr lang="en-US" sz="1400" dirty="0" smtClean="0"/>
-          </a:p>
-          <a:p>
             <a:endParaRPr lang="en-US" sz="1400" dirty="0"/>
           </a:p>
           <a:p>
-            <a:r>
-              <a:rPr lang="en-US" sz="1400" dirty="0" smtClean="0"/>
+            <a:endParaRPr lang="en-US" sz="1400" dirty="0"/>
+          </a:p>
+          <a:p>
+            <a:r>
+              <a:rPr lang="en-US" sz="1400" dirty="0"/>
               <a:t>VOB Contents :</a:t>
             </a:r>
           </a:p>
@@ -2999,15 +2982,15 @@
               <a:buChar char="§"/>
             </a:pPr>
             <a:r>
-              <a:rPr lang="en-US" sz="1400" dirty="0" smtClean="0"/>
+              <a:rPr lang="en-US" sz="1400" dirty="0"/>
               <a:t>~ 80 % as Binaries (rpms, </a:t>
             </a:r>
             <a:r>
-              <a:rPr lang="en-US" sz="1400" dirty="0" err="1" smtClean="0"/>
+              <a:rPr lang="en-US" sz="1400" dirty="0" err="1"/>
               <a:t>pof</a:t>
             </a:r>
             <a:r>
-              <a:rPr lang="en-US" sz="1400" dirty="0" smtClean="0"/>
+              <a:rPr lang="en-US" sz="1400" dirty="0"/>
               <a:t> files)</a:t>
             </a:r>
           </a:p>
@@ -3017,16 +3000,16 @@
               <a:buChar char="§"/>
             </a:pPr>
             <a:r>
-              <a:rPr lang="en-US" sz="1400" dirty="0" smtClean="0"/>
+              <a:rPr lang="en-US" sz="1400" dirty="0"/>
               <a:t>~20 % as Source Code and Documents (Test reports , release notes, metrics)</a:t>
             </a:r>
           </a:p>
           <a:p>
-            <a:endParaRPr lang="en-US" sz="1400" dirty="0" smtClean="0"/>
-          </a:p>
-          <a:p>
-            <a:r>
-              <a:rPr lang="en-US" sz="1400" dirty="0" smtClean="0"/>
+            <a:endParaRPr lang="en-US" sz="1400" dirty="0"/>
+          </a:p>
+          <a:p>
+            <a:r>
+              <a:rPr lang="en-US" sz="1400" dirty="0"/>
               <a:t>Release Process To Integration:</a:t>
             </a:r>
           </a:p>
@@ -3036,15 +3019,15 @@
               <a:buChar char="§"/>
             </a:pPr>
             <a:r>
-              <a:rPr lang="en-US" sz="1400" dirty="0" smtClean="0"/>
+              <a:rPr lang="en-US" sz="1400" dirty="0"/>
               <a:t>Developers generate the rpms, check in , deliver the labels (ex : TV Card, </a:t>
             </a:r>
             <a:r>
-              <a:rPr lang="en-US" sz="1400" dirty="0" err="1" smtClean="0"/>
+              <a:rPr lang="en-US" sz="1400" dirty="0" err="1"/>
               <a:t>Deadreckoning</a:t>
             </a:r>
             <a:r>
-              <a:rPr lang="en-US" sz="1400" dirty="0" smtClean="0"/>
+              <a:rPr lang="en-US" sz="1400" dirty="0"/>
               <a:t>)</a:t>
             </a:r>
           </a:p>
@@ -3054,7 +3037,7 @@
               <a:buChar char="§"/>
             </a:pPr>
             <a:r>
-              <a:rPr lang="en-US" sz="1400" dirty="0" smtClean="0"/>
+              <a:rPr lang="en-US" sz="1400" dirty="0"/>
               <a:t>Source Code, Part numbers, configuration files and some parts as Libraries ( ex : Radio Card, CPLD)</a:t>
             </a:r>
           </a:p>
@@ -3064,16 +3047,16 @@
               <a:buChar char="§"/>
             </a:pPr>
             <a:r>
-              <a:rPr lang="en-US" sz="1400" dirty="0" smtClean="0"/>
+              <a:rPr lang="en-US" sz="1400" dirty="0"/>
               <a:t>V850 Bosch Internal Release Binaries ( VIC_V850)</a:t>
             </a:r>
           </a:p>
           <a:p>
-            <a:endParaRPr lang="en-US" sz="1400" dirty="0" smtClean="0"/>
-          </a:p>
-          <a:p>
-            <a:r>
-              <a:rPr lang="en-US" sz="1400" dirty="0" smtClean="0"/>
+            <a:endParaRPr lang="en-US" sz="1400" dirty="0"/>
+          </a:p>
+          <a:p>
+            <a:r>
+              <a:rPr lang="en-US" sz="1400" dirty="0"/>
               <a:t>Integration Process : </a:t>
             </a:r>
           </a:p>
@@ -3083,7 +3066,7 @@
               <a:buChar char="§"/>
             </a:pPr>
             <a:r>
-              <a:rPr lang="en-US" sz="1400" dirty="0" smtClean="0"/>
+              <a:rPr lang="en-US" sz="1400" dirty="0"/>
               <a:t>RPMs – Updating of Contents in Integration branch based on Developers label</a:t>
             </a:r>
           </a:p>
@@ -3093,7 +3076,7 @@
               <a:buChar char="§"/>
             </a:pPr>
             <a:r>
-              <a:rPr lang="en-US" sz="1400" dirty="0" smtClean="0"/>
+              <a:rPr lang="en-US" sz="1400" dirty="0"/>
               <a:t>Include the source contents, spec and configuration file changes and Generate RPMs in fedora (ex: Radio tuner card , CPLD)</a:t>
             </a:r>
           </a:p>
@@ -3103,15 +3086,15 @@
               <a:buChar char="§"/>
             </a:pPr>
             <a:r>
-              <a:rPr lang="en-US" sz="1400" dirty="0" smtClean="0"/>
+              <a:rPr lang="en-US" sz="1400" dirty="0"/>
               <a:t>Upload the generate contents in </a:t>
             </a:r>
             <a:r>
-              <a:rPr lang="en-US" sz="1400" dirty="0" err="1" smtClean="0"/>
+              <a:rPr lang="en-US" sz="1400" dirty="0" err="1"/>
               <a:t>ai_ngi</a:t>
             </a:r>
             <a:r>
-              <a:rPr lang="en-US" sz="1400" dirty="0" smtClean="0"/>
+              <a:rPr lang="en-US" sz="1400" dirty="0"/>
               <a:t> VOB, Binary server and UCM ClearCase (STC Delivery process )</a:t>
             </a:r>
           </a:p>
@@ -3121,7 +3104,7 @@
               <a:buChar char="§"/>
             </a:pPr>
             <a:r>
-              <a:rPr lang="en-US" sz="1400" dirty="0" smtClean="0"/>
+              <a:rPr lang="en-US" sz="1400" dirty="0"/>
               <a:t>Label in Bosch scope , Baseline in UCM ClearCase (STC Delivery process )</a:t>
             </a:r>
           </a:p>
@@ -3131,14 +3114,9 @@
               <a:buChar char="§"/>
             </a:pPr>
             <a:r>
-              <a:rPr lang="en-US" sz="1400" dirty="0" smtClean="0"/>
-              <a:t>CM activity creation, linking to Baseline</a:t>
-            </a:r>
-            <a:r>
               <a:rPr lang="en-US" sz="1400" dirty="0"/>
-              <a:t>	</a:t>
-            </a:r>
-            <a:endParaRPr lang="en-US" sz="1400" dirty="0" smtClean="0"/>
+              <a:t>CM activity creation, linking to Baseline	</a:t>
+            </a:r>
           </a:p>
           <a:p>
             <a:endParaRPr lang="en-US" sz="1400" dirty="0"/>
@@ -3182,13 +3160,6 @@
   <p:clrMapOvr>
     <a:masterClrMapping/>
   </p:clrMapOvr>
-  <p:timing>
-    <p:tnLst>
-      <p:par>
-        <p:cTn id="1" dur="indefinite" restart="never" nodeType="tmRoot"/>
-      </p:par>
-    </p:tnLst>
-  </p:timing>
 </p:sld>
 </file>
 
@@ -3293,18 +3264,13 @@
               </a:lnSpc>
             </a:pPr>
             <a:r>
-              <a:rPr lang="en-US" sz="700" smtClean="0">
+              <a:rPr lang="en-US" sz="700">
                 <a:solidFill>
                   <a:srgbClr val="707070"/>
                 </a:solidFill>
               </a:rPr>
               <a:t>Internal  | RBEI/ECA | 6/17/2016 | ©  Robert Bosch Engineering and Business Solutions Private Limited 2016. All rights reserved, also regarding any disposal, exploitation, reproduction, editing, distribution, as well as in the event of applications for industrial property rights.</a:t>
             </a:r>
-            <a:endParaRPr lang="en-US" sz="700">
-              <a:solidFill>
-                <a:srgbClr val="707070"/>
-              </a:solidFill>
-            </a:endParaRPr>
           </a:p>
         </p:txBody>
       </p:sp>
@@ -3357,18 +3323,13 @@
               </a:lnSpc>
             </a:pPr>
             <a:r>
-              <a:rPr lang="en-US" b="1" smtClean="0">
+              <a:rPr lang="en-US" b="1">
                 <a:solidFill>
                   <a:srgbClr val="FFFFFF"/>
                 </a:solidFill>
               </a:rPr>
               <a:t>GIT Proposal</a:t>
             </a:r>
-            <a:endParaRPr lang="en-US" b="1">
-              <a:solidFill>
-                <a:srgbClr val="FFFFFF"/>
-              </a:solidFill>
-            </a:endParaRPr>
           </a:p>
         </p:txBody>
       </p:sp>
@@ -3502,18 +3463,13 @@
           <a:lstStyle/>
           <a:p>
             <a:r>
-              <a:rPr lang="en-US" sz="800" smtClean="0">
+              <a:rPr lang="en-US" sz="800">
                 <a:solidFill>
                   <a:srgbClr val="FFFFFF"/>
                 </a:solidFill>
               </a:rPr>
               <a:t> </a:t>
             </a:r>
-            <a:endParaRPr lang="en-US" sz="800">
-              <a:solidFill>
-                <a:srgbClr val="FFFFFF"/>
-              </a:solidFill>
-            </a:endParaRPr>
           </a:p>
         </p:txBody>
       </p:sp>
@@ -3834,13 +3790,8 @@
           <a:p>
             <a:r>
               <a:rPr lang="en-US" dirty="0"/>
-              <a:t>Timeline – Implementation Plan ( Bosch Internal – Linux Modules</a:t>
-            </a:r>
-            <a:r>
-              <a:rPr lang="en-US" dirty="0" smtClean="0"/>
-              <a:t>)</a:t>
-            </a:r>
-            <a:endParaRPr lang="en-US" dirty="0"/>
+              <a:t>Timeline – Implementation Plan ( Bosch Internal – Linux Modules)</a:t>
+            </a:r>
           </a:p>
         </p:txBody>
       </p:sp>
@@ -3872,11 +3823,41 @@
                 <a:tableStyleId>{5C22544A-7EE6-4342-B048-85BDC9FD1C3A}</a:tableStyleId>
               </a:tblPr>
               <a:tblGrid>
-                <a:gridCol w="606630"/>
-                <a:gridCol w="2982597"/>
-                <a:gridCol w="1238536"/>
-                <a:gridCol w="1175345"/>
-                <a:gridCol w="3399655"/>
+                <a:gridCol w="606630">
+                  <a:extLst>
+                    <a:ext uri="{9D8B030D-6E8A-4147-A177-3AD203B41FA5}">
+                      <a16:colId xmlns:a16="http://schemas.microsoft.com/office/drawing/2014/main" val="20000"/>
+                    </a:ext>
+                  </a:extLst>
+                </a:gridCol>
+                <a:gridCol w="2982597">
+                  <a:extLst>
+                    <a:ext uri="{9D8B030D-6E8A-4147-A177-3AD203B41FA5}">
+                      <a16:colId xmlns:a16="http://schemas.microsoft.com/office/drawing/2014/main" val="20001"/>
+                    </a:ext>
+                  </a:extLst>
+                </a:gridCol>
+                <a:gridCol w="1238536">
+                  <a:extLst>
+                    <a:ext uri="{9D8B030D-6E8A-4147-A177-3AD203B41FA5}">
+                      <a16:colId xmlns:a16="http://schemas.microsoft.com/office/drawing/2014/main" val="20002"/>
+                    </a:ext>
+                  </a:extLst>
+                </a:gridCol>
+                <a:gridCol w="1175345">
+                  <a:extLst>
+                    <a:ext uri="{9D8B030D-6E8A-4147-A177-3AD203B41FA5}">
+                      <a16:colId xmlns:a16="http://schemas.microsoft.com/office/drawing/2014/main" val="20003"/>
+                    </a:ext>
+                  </a:extLst>
+                </a:gridCol>
+                <a:gridCol w="3399655">
+                  <a:extLst>
+                    <a:ext uri="{9D8B030D-6E8A-4147-A177-3AD203B41FA5}">
+                      <a16:colId xmlns:a16="http://schemas.microsoft.com/office/drawing/2014/main" val="20004"/>
+                    </a:ext>
+                  </a:extLst>
+                </a:gridCol>
               </a:tblGrid>
               <a:tr h="304165">
                 <a:tc>
@@ -3994,6 +3975,11 @@
                   </a:txBody>
                   <a:tcPr marL="0" marR="0" marT="0" marB="0" anchor="b"/>
                 </a:tc>
+                <a:extLst>
+                  <a:ext uri="{0D108BD9-81ED-4DB2-BD59-A6C34878D82A}">
+                    <a16:rowId xmlns:a16="http://schemas.microsoft.com/office/drawing/2014/main" val="10000"/>
+                  </a:ext>
+                </a:extLst>
               </a:tr>
               <a:tr h="161136">
                 <a:tc>
@@ -4111,6 +4097,11 @@
                   </a:txBody>
                   <a:tcPr marL="0" marR="0" marT="0" marB="0" anchor="b"/>
                 </a:tc>
+                <a:extLst>
+                  <a:ext uri="{0D108BD9-81ED-4DB2-BD59-A6C34878D82A}">
+                    <a16:rowId xmlns:a16="http://schemas.microsoft.com/office/drawing/2014/main" val="10001"/>
+                  </a:ext>
+                </a:extLst>
               </a:tr>
               <a:tr h="161136">
                 <a:tc>
@@ -4228,6 +4219,11 @@
                   </a:txBody>
                   <a:tcPr marL="0" marR="0" marT="0" marB="0" anchor="b"/>
                 </a:tc>
+                <a:extLst>
+                  <a:ext uri="{0D108BD9-81ED-4DB2-BD59-A6C34878D82A}">
+                    <a16:rowId xmlns:a16="http://schemas.microsoft.com/office/drawing/2014/main" val="10002"/>
+                  </a:ext>
+                </a:extLst>
               </a:tr>
               <a:tr h="161136">
                 <a:tc>
@@ -4345,6 +4341,11 @@
                   </a:txBody>
                   <a:tcPr marL="0" marR="0" marT="0" marB="0" anchor="b"/>
                 </a:tc>
+                <a:extLst>
+                  <a:ext uri="{0D108BD9-81ED-4DB2-BD59-A6C34878D82A}">
+                    <a16:rowId xmlns:a16="http://schemas.microsoft.com/office/drawing/2014/main" val="10003"/>
+                  </a:ext>
+                </a:extLst>
               </a:tr>
               <a:tr h="161136">
                 <a:tc>
@@ -4462,6 +4463,11 @@
                   </a:txBody>
                   <a:tcPr marL="0" marR="0" marT="0" marB="0" anchor="b"/>
                 </a:tc>
+                <a:extLst>
+                  <a:ext uri="{0D108BD9-81ED-4DB2-BD59-A6C34878D82A}">
+                    <a16:rowId xmlns:a16="http://schemas.microsoft.com/office/drawing/2014/main" val="10004"/>
+                  </a:ext>
+                </a:extLst>
               </a:tr>
               <a:tr h="161136">
                 <a:tc>
@@ -4579,6 +4585,11 @@
                   </a:txBody>
                   <a:tcPr marL="0" marR="0" marT="0" marB="0" anchor="b"/>
                 </a:tc>
+                <a:extLst>
+                  <a:ext uri="{0D108BD9-81ED-4DB2-BD59-A6C34878D82A}">
+                    <a16:rowId xmlns:a16="http://schemas.microsoft.com/office/drawing/2014/main" val="10005"/>
+                  </a:ext>
+                </a:extLst>
               </a:tr>
               <a:tr h="161136">
                 <a:tc>
@@ -4696,6 +4707,11 @@
                   </a:txBody>
                   <a:tcPr marL="0" marR="0" marT="0" marB="0" anchor="b"/>
                 </a:tc>
+                <a:extLst>
+                  <a:ext uri="{0D108BD9-81ED-4DB2-BD59-A6C34878D82A}">
+                    <a16:rowId xmlns:a16="http://schemas.microsoft.com/office/drawing/2014/main" val="10006"/>
+                  </a:ext>
+                </a:extLst>
               </a:tr>
               <a:tr h="161136">
                 <a:tc>
@@ -4813,6 +4829,11 @@
                   </a:txBody>
                   <a:tcPr marL="0" marR="0" marT="0" marB="0" anchor="b"/>
                 </a:tc>
+                <a:extLst>
+                  <a:ext uri="{0D108BD9-81ED-4DB2-BD59-A6C34878D82A}">
+                    <a16:rowId xmlns:a16="http://schemas.microsoft.com/office/drawing/2014/main" val="10007"/>
+                  </a:ext>
+                </a:extLst>
               </a:tr>
               <a:tr h="161136">
                 <a:tc>
@@ -4930,6 +4951,11 @@
                   </a:txBody>
                   <a:tcPr marL="0" marR="0" marT="0" marB="0" anchor="b"/>
                 </a:tc>
+                <a:extLst>
+                  <a:ext uri="{0D108BD9-81ED-4DB2-BD59-A6C34878D82A}">
+                    <a16:rowId xmlns:a16="http://schemas.microsoft.com/office/drawing/2014/main" val="10008"/>
+                  </a:ext>
+                </a:extLst>
               </a:tr>
               <a:tr h="161136">
                 <a:tc>
@@ -5047,6 +5073,11 @@
                   </a:txBody>
                   <a:tcPr marL="0" marR="0" marT="0" marB="0" anchor="b"/>
                 </a:tc>
+                <a:extLst>
+                  <a:ext uri="{0D108BD9-81ED-4DB2-BD59-A6C34878D82A}">
+                    <a16:rowId xmlns:a16="http://schemas.microsoft.com/office/drawing/2014/main" val="10009"/>
+                  </a:ext>
+                </a:extLst>
               </a:tr>
               <a:tr h="161136">
                 <a:tc>
@@ -5164,6 +5195,11 @@
                   </a:txBody>
                   <a:tcPr marL="0" marR="0" marT="0" marB="0" anchor="b"/>
                 </a:tc>
+                <a:extLst>
+                  <a:ext uri="{0D108BD9-81ED-4DB2-BD59-A6C34878D82A}">
+                    <a16:rowId xmlns:a16="http://schemas.microsoft.com/office/drawing/2014/main" val="10010"/>
+                  </a:ext>
+                </a:extLst>
               </a:tr>
               <a:tr h="161136">
                 <a:tc>
@@ -5281,6 +5317,11 @@
                   </a:txBody>
                   <a:tcPr marL="0" marR="0" marT="0" marB="0" anchor="b"/>
                 </a:tc>
+                <a:extLst>
+                  <a:ext uri="{0D108BD9-81ED-4DB2-BD59-A6C34878D82A}">
+                    <a16:rowId xmlns:a16="http://schemas.microsoft.com/office/drawing/2014/main" val="10011"/>
+                  </a:ext>
+                </a:extLst>
               </a:tr>
             </a:tbl>
           </a:graphicData>
@@ -5299,13 +5340,6 @@
   <p:clrMapOvr>
     <a:masterClrMapping/>
   </p:clrMapOvr>
-  <p:timing>
-    <p:tnLst>
-      <p:par>
-        <p:cTn id="1" dur="indefinite" restart="never" nodeType="tmRoot"/>
-      </p:par>
-    </p:tnLst>
-  </p:timing>
 </p:sld>
 </file>
 
@@ -5410,18 +5444,13 @@
               </a:lnSpc>
             </a:pPr>
             <a:r>
-              <a:rPr lang="en-US" sz="700" smtClean="0">
+              <a:rPr lang="en-US" sz="700">
                 <a:solidFill>
                   <a:srgbClr val="707070"/>
                 </a:solidFill>
               </a:rPr>
               <a:t>Internal  | RBEI/ECA | 6/17/2016 | ©  Robert Bosch Engineering and Business Solutions Private Limited 2016. All rights reserved, also regarding any disposal, exploitation, reproduction, editing, distribution, as well as in the event of applications for industrial property rights.</a:t>
             </a:r>
-            <a:endParaRPr lang="en-US" sz="700">
-              <a:solidFill>
-                <a:srgbClr val="707070"/>
-              </a:solidFill>
-            </a:endParaRPr>
           </a:p>
         </p:txBody>
       </p:sp>
@@ -5555,18 +5584,13 @@
           <a:lstStyle/>
           <a:p>
             <a:r>
-              <a:rPr lang="en-US" sz="800" smtClean="0">
+              <a:rPr lang="en-US" sz="800">
                 <a:solidFill>
                   <a:srgbClr val="FFFFFF"/>
                 </a:solidFill>
               </a:rPr>
               <a:t> </a:t>
             </a:r>
-            <a:endParaRPr lang="en-US" sz="800">
-              <a:solidFill>
-                <a:srgbClr val="FFFFFF"/>
-              </a:solidFill>
-            </a:endParaRPr>
           </a:p>
         </p:txBody>
       </p:sp>
@@ -5887,12 +5911,12 @@
           <a:lstStyle/>
           <a:p>
             <a:r>
-              <a:rPr lang="en-US" sz="1600" b="1" dirty="0" smtClean="0"/>
+              <a:rPr lang="en-US" sz="1600" b="1" dirty="0"/>
               <a:t>Points Considered </a:t>
             </a:r>
           </a:p>
           <a:p>
-            <a:endParaRPr lang="en-US" sz="1600" b="1" dirty="0" smtClean="0"/>
+            <a:endParaRPr lang="en-US" sz="1600" b="1" dirty="0"/>
           </a:p>
           <a:p>
             <a:pPr marL="742950" lvl="1" indent="-285750">
@@ -5900,7 +5924,7 @@
               <a:buChar char="Ø"/>
             </a:pPr>
             <a:r>
-              <a:rPr lang="en-US" sz="1400" dirty="0" smtClean="0"/>
+              <a:rPr lang="en-US" sz="1400" dirty="0"/>
               <a:t>JLR NGI - SCM tool changes to GIT </a:t>
             </a:r>
           </a:p>
@@ -5910,7 +5934,7 @@
               <a:buChar char="Ø"/>
             </a:pPr>
             <a:r>
-              <a:rPr lang="en-US" sz="1400" dirty="0" smtClean="0"/>
+              <a:rPr lang="en-US" sz="1400" dirty="0"/>
               <a:t>Same Release, Integration procedure mentioned in Slide 1</a:t>
             </a:r>
           </a:p>
@@ -5920,7 +5944,7 @@
               <a:buChar char="Ø"/>
             </a:pPr>
             <a:r>
-              <a:rPr lang="en-US" sz="1400" dirty="0" smtClean="0"/>
+              <a:rPr lang="en-US" sz="1400" dirty="0"/>
               <a:t>RTC (Bosch) has restriction to store Binary in RTC Repository which affects our ~80 of delivery contents</a:t>
             </a:r>
           </a:p>
@@ -5930,7 +5954,7 @@
               <a:buChar char="Ø"/>
             </a:pPr>
             <a:r>
-              <a:rPr lang="en-US" sz="1400" dirty="0" smtClean="0"/>
+              <a:rPr lang="en-US" sz="1400" dirty="0"/>
               <a:t>Artifactory usage become Mandatory and SCM Policy needs to defined accordingly</a:t>
             </a:r>
           </a:p>
@@ -5940,24 +5964,24 @@
               <a:buChar char="Ø"/>
             </a:pPr>
             <a:r>
-              <a:rPr lang="en-US" sz="1400" dirty="0" smtClean="0"/>
+              <a:rPr lang="en-US" sz="1400" dirty="0"/>
               <a:t>CM also planned to go for GIT as SCM, GIT Plugins for RTC to have ALM (Tracking, work items) </a:t>
             </a:r>
           </a:p>
           <a:p>
             <a:r>
-              <a:rPr lang="en-US" sz="1400" dirty="0" smtClean="0"/>
+              <a:rPr lang="en-US" sz="1400" dirty="0"/>
               <a:t>	</a:t>
             </a:r>
           </a:p>
           <a:p>
             <a:r>
-              <a:rPr lang="en-US" sz="1600" b="1" dirty="0" smtClean="0"/>
+              <a:rPr lang="en-US" sz="1600" b="1" dirty="0"/>
               <a:t>GIT - SCM in JLR NGI</a:t>
             </a:r>
           </a:p>
           <a:p>
-            <a:endParaRPr lang="en-US" sz="1600" b="1" dirty="0" smtClean="0"/>
+            <a:endParaRPr lang="en-US" sz="1600" b="1" dirty="0"/>
           </a:p>
           <a:p>
             <a:pPr marL="742950" lvl="1" indent="-285750">
@@ -5965,7 +5989,7 @@
               <a:buChar char="ü"/>
             </a:pPr>
             <a:r>
-              <a:rPr lang="en-US" sz="1400" dirty="0" smtClean="0"/>
+              <a:rPr lang="en-US" sz="1400" dirty="0"/>
               <a:t>Existing structure can remain same as in ClearCase now.</a:t>
             </a:r>
           </a:p>
@@ -5975,7 +5999,7 @@
               <a:buChar char="ü"/>
             </a:pPr>
             <a:r>
-              <a:rPr lang="en-US" sz="1400" dirty="0" smtClean="0"/>
+              <a:rPr lang="en-US" sz="1400" dirty="0"/>
               <a:t>Same SCM tool as other suppliers</a:t>
             </a:r>
           </a:p>
@@ -5985,7 +6009,7 @@
               <a:buChar char="ü"/>
             </a:pPr>
             <a:r>
-              <a:rPr lang="en-US" sz="1400" dirty="0" smtClean="0"/>
+              <a:rPr lang="en-US" sz="1400" dirty="0"/>
               <a:t>Eases the SCM, Delivery process with less tools similar to other suppliers. Ex: Artifactory. No need for new SCM policy definition for NGI alone </a:t>
             </a:r>
           </a:p>
@@ -5995,7 +6019,7 @@
               <a:buChar char="ü"/>
             </a:pPr>
             <a:r>
-              <a:rPr lang="en-US" sz="1400" dirty="0" smtClean="0"/>
+              <a:rPr lang="en-US" sz="1400" dirty="0"/>
               <a:t>Reduce the duplication of Delivery process ( internal for Bosch , another to STC) </a:t>
             </a:r>
           </a:p>
@@ -6005,7 +6029,7 @@
               <a:buChar char="ü"/>
             </a:pPr>
             <a:r>
-              <a:rPr lang="en-US" sz="1400" dirty="0" smtClean="0"/>
+              <a:rPr lang="en-US" sz="1400" dirty="0"/>
               <a:t>No effort for script adaptation to use Artifactory ( Binary Upload and download )</a:t>
             </a:r>
           </a:p>
@@ -6015,7 +6039,7 @@
               <a:buChar char="ü"/>
             </a:pPr>
             <a:r>
-              <a:rPr lang="en-US" sz="1400" dirty="0" smtClean="0"/>
+              <a:rPr lang="en-US" sz="1400" dirty="0"/>
               <a:t>Easy CI Implementation together with STC (CI2.0)</a:t>
             </a:r>
           </a:p>
@@ -6025,7 +6049,7 @@
               <a:buChar char="ü"/>
             </a:pPr>
             <a:r>
-              <a:rPr lang="en-US" sz="1400" dirty="0" smtClean="0"/>
+              <a:rPr lang="en-US" sz="1400" dirty="0"/>
               <a:t>Upload and download time reduction </a:t>
             </a:r>
           </a:p>
@@ -6033,7 +6057,7 @@
             <a:endParaRPr lang="en-US" sz="1400" dirty="0"/>
           </a:p>
           <a:p>
-            <a:endParaRPr lang="en-US" dirty="0" smtClean="0"/>
+            <a:endParaRPr lang="en-US" dirty="0"/>
           </a:p>
         </p:txBody>
       </p:sp>
@@ -6086,18 +6110,13 @@
               </a:lnSpc>
             </a:pPr>
             <a:r>
-              <a:rPr lang="en-US" b="1" dirty="0" smtClean="0">
+              <a:rPr lang="en-US" b="1" dirty="0">
                 <a:solidFill>
                   <a:srgbClr val="FFFFFF"/>
                 </a:solidFill>
               </a:rPr>
               <a:t>GIT Proposal - Linux Modules</a:t>
             </a:r>
-            <a:endParaRPr lang="en-US" b="1" dirty="0">
-              <a:solidFill>
-                <a:srgbClr val="FFFFFF"/>
-              </a:solidFill>
-            </a:endParaRPr>
           </a:p>
         </p:txBody>
       </p:sp>
@@ -6114,13 +6133,6 @@
   <p:clrMapOvr>
     <a:masterClrMapping/>
   </p:clrMapOvr>
-  <p:timing>
-    <p:tnLst>
-      <p:par>
-        <p:cTn id="1" dur="indefinite" restart="never" nodeType="tmRoot"/>
-      </p:par>
-    </p:tnLst>
-  </p:timing>
 </p:sld>
 </file>
 
@@ -6233,18 +6245,13 @@
               </a:lnSpc>
             </a:pPr>
             <a:r>
-              <a:rPr lang="en-US" sz="700" smtClean="0">
+              <a:rPr lang="en-US" sz="700">
                 <a:solidFill>
                   <a:srgbClr val="707070"/>
                 </a:solidFill>
               </a:rPr>
               <a:t>Internal  | RBEI/ECA | 6/17/2016 | ©  Robert Bosch Engineering and Business Solutions Private Limited 2016. All rights reserved, also regarding any disposal, exploitation, reproduction, editing, distribution, as well as in the event of applications for industrial property rights.</a:t>
             </a:r>
-            <a:endParaRPr lang="en-US" sz="700">
-              <a:solidFill>
-                <a:srgbClr val="707070"/>
-              </a:solidFill>
-            </a:endParaRPr>
           </a:p>
         </p:txBody>
       </p:sp>
@@ -6378,18 +6385,13 @@
           <a:lstStyle/>
           <a:p>
             <a:r>
-              <a:rPr lang="en-US" sz="800" smtClean="0">
+              <a:rPr lang="en-US" sz="800">
                 <a:solidFill>
                   <a:srgbClr val="FFFFFF"/>
                 </a:solidFill>
               </a:rPr>
               <a:t> </a:t>
             </a:r>
-            <a:endParaRPr lang="en-US" sz="800">
-              <a:solidFill>
-                <a:srgbClr val="FFFFFF"/>
-              </a:solidFill>
-            </a:endParaRPr>
           </a:p>
         </p:txBody>
       </p:sp>
@@ -6710,16 +6712,12 @@
           <a:lstStyle/>
           <a:p>
             <a:r>
-              <a:rPr lang="en-GB" sz="1600" b="1" dirty="0" smtClean="0"/>
-              <a:t>Advantages </a:t>
-            </a:r>
-            <a:r>
               <a:rPr lang="en-GB" sz="1600" b="1" dirty="0"/>
-              <a:t>:</a:t>
-            </a:r>
-          </a:p>
-          <a:p>
-            <a:endParaRPr lang="en-US" sz="1600" b="1" dirty="0" smtClean="0"/>
+              <a:t>Advantages :</a:t>
+            </a:r>
+          </a:p>
+          <a:p>
+            <a:endParaRPr lang="en-US" sz="1600" b="1" dirty="0"/>
           </a:p>
           <a:p>
             <a:pPr marL="285750" indent="-285750">
@@ -6727,18 +6725,10 @@
               <a:buChar char="§"/>
             </a:pPr>
             <a:r>
-              <a:rPr lang="en-GB" sz="1400" dirty="0" smtClean="0"/>
-              <a:t>Faster </a:t>
-            </a:r>
-            <a:r>
               <a:rPr lang="en-GB" sz="1400" dirty="0"/>
-              <a:t>to </a:t>
-            </a:r>
-            <a:r>
-              <a:rPr lang="en-GB" sz="1400" dirty="0" smtClean="0"/>
-              <a:t>Synchronize</a:t>
-            </a:r>
-            <a:endParaRPr lang="en-US" sz="1400" b="1" dirty="0" smtClean="0"/>
+              <a:t>Faster to Synchronize</a:t>
+            </a:r>
+            <a:endParaRPr lang="en-US" sz="1400" b="1" dirty="0"/>
           </a:p>
           <a:p>
             <a:pPr marL="285750" indent="-285750" defTabSz="640074">
@@ -6747,12 +6737,8 @@
               <a:defRPr/>
             </a:pPr>
             <a:r>
-              <a:rPr lang="en-GB" sz="1400" dirty="0" smtClean="0"/>
-              <a:t>Open </a:t>
-            </a:r>
-            <a:r>
               <a:rPr lang="en-GB" sz="1400" dirty="0"/>
-              <a:t>source, distributed with GPL license</a:t>
+              <a:t>Open source, distributed with GPL license</a:t>
             </a:r>
           </a:p>
           <a:p>
@@ -6762,29 +6748,8 @@
             </a:pPr>
             <a:r>
               <a:rPr lang="en-GB" sz="1400" dirty="0"/>
-              <a:t>GIT has a distributed </a:t>
-            </a:r>
-            <a:r>
-              <a:rPr lang="en-GB" sz="1400" dirty="0" smtClean="0"/>
-              <a:t>model (Every </a:t>
-            </a:r>
-            <a:r>
-              <a:rPr lang="en-GB" sz="1400" dirty="0"/>
-              <a:t>user has their own copy of code on </a:t>
-            </a:r>
-            <a:r>
-              <a:rPr lang="en-GB" sz="1400" dirty="0" smtClean="0"/>
-              <a:t>their </a:t>
-            </a:r>
-            <a:r>
-              <a:rPr lang="en-GB" sz="1400" dirty="0"/>
-              <a:t>local, basically like their own </a:t>
-            </a:r>
-            <a:r>
-              <a:rPr lang="en-GB" sz="1400" dirty="0" smtClean="0"/>
-              <a:t>branch)</a:t>
-            </a:r>
-            <a:endParaRPr lang="en-GB" sz="1400" dirty="0"/>
+              <a:t>GIT has a distributed model (Every user has their own copy of code on their local, basically like their own branch)</a:t>
+            </a:r>
           </a:p>
           <a:p>
             <a:pPr marL="285750" indent="-285750">
@@ -6793,11 +6758,7 @@
             </a:pPr>
             <a:r>
               <a:rPr lang="en-GB" sz="1400" dirty="0"/>
-              <a:t>Feature rich and excellent for large </a:t>
-            </a:r>
-            <a:r>
-              <a:rPr lang="en-GB" sz="1400" dirty="0" smtClean="0"/>
-              <a:t>projects.</a:t>
+              <a:t>Feature rich and excellent for large projects.</a:t>
             </a:r>
           </a:p>
           <a:p>
@@ -6806,12 +6767,8 @@
               <a:buChar char="§"/>
             </a:pPr>
             <a:r>
-              <a:rPr lang="en-GB" sz="1400" dirty="0" smtClean="0"/>
-              <a:t>Merging </a:t>
-            </a:r>
-            <a:r>
               <a:rPr lang="en-GB" sz="1400" dirty="0"/>
-              <a:t>and Branching in GIT is what makes GIT differs from rest of the SCM tools</a:t>
+              <a:t>Merging and Branching in GIT is what makes GIT differs from rest of the SCM tools</a:t>
             </a:r>
           </a:p>
           <a:p>
@@ -6821,19 +6778,7 @@
             </a:pPr>
             <a:r>
               <a:rPr lang="en-GB" sz="1400" dirty="0"/>
-              <a:t>But though GIT is accessed with the remote server, performance of the sync is very fast (20 Gb). </a:t>
-            </a:r>
-            <a:r>
-              <a:rPr lang="en-GB" sz="1400" dirty="0" smtClean="0"/>
-              <a:t>Even </a:t>
-            </a:r>
-            <a:r>
-              <a:rPr lang="en-GB" sz="1400" dirty="0"/>
-              <a:t>it is faster when accessed with the mobile broad </a:t>
-            </a:r>
-            <a:r>
-              <a:rPr lang="en-GB" sz="1400" dirty="0" smtClean="0"/>
-              <a:t>band</a:t>
+              <a:t>But though GIT is accessed with the remote server, performance of the sync is very fast (20 Gb). Even it is faster when accessed with the mobile broad band</a:t>
             </a:r>
           </a:p>
           <a:p>
@@ -6845,12 +6790,12 @@
           </a:p>
           <a:p>
             <a:r>
-              <a:rPr lang="en-GB" sz="1600" b="1" dirty="0" smtClean="0"/>
+              <a:rPr lang="en-GB" sz="1600" b="1" dirty="0"/>
               <a:t>Disadvantages :</a:t>
             </a:r>
           </a:p>
           <a:p>
-            <a:endParaRPr lang="en-GB" sz="1400" dirty="0" smtClean="0"/>
+            <a:endParaRPr lang="en-GB" sz="1400" dirty="0"/>
           </a:p>
           <a:p>
             <a:pPr marL="285750" indent="-285750">
@@ -6858,15 +6803,15 @@
               <a:buChar char="§"/>
             </a:pPr>
             <a:r>
-              <a:rPr lang="en-GB" sz="1400" dirty="0" smtClean="0"/>
+              <a:rPr lang="en-GB" sz="1400" dirty="0"/>
               <a:t>Mostly CLI, </a:t>
             </a:r>
             <a:r>
-              <a:rPr lang="en-GB" sz="1400" dirty="0" err="1" smtClean="0"/>
+              <a:rPr lang="en-GB" sz="1400" dirty="0" err="1"/>
               <a:t>atleast</a:t>
             </a:r>
             <a:r>
-              <a:rPr lang="en-GB" sz="1400" dirty="0" smtClean="0"/>
+              <a:rPr lang="en-GB" sz="1400" dirty="0"/>
               <a:t> 15 basic commands should be remembered</a:t>
             </a:r>
           </a:p>
@@ -6876,25 +6821,24 @@
               <a:buChar char="§"/>
             </a:pPr>
             <a:r>
-              <a:rPr lang="en-GB" sz="1400" dirty="0" smtClean="0"/>
+              <a:rPr lang="en-GB" sz="1400" dirty="0"/>
               <a:t>Difficult to read the history, Graphical view similar to Version tree is not available. </a:t>
             </a:r>
             <a:r>
-              <a:rPr lang="en-GB" sz="1400" dirty="0" err="1" smtClean="0"/>
+              <a:rPr lang="en-GB" sz="1400" dirty="0" err="1"/>
               <a:t>GitK</a:t>
             </a:r>
             <a:r>
-              <a:rPr lang="en-GB" sz="1400" dirty="0" smtClean="0"/>
+              <a:rPr lang="en-GB" sz="1400" dirty="0"/>
               <a:t> can be used, but not same as version tree </a:t>
             </a:r>
-            <a:endParaRPr lang="en-GB" sz="1400" dirty="0"/>
-          </a:p>
-          <a:p>
-            <a:endParaRPr lang="en-US" b="1" dirty="0" smtClean="0"/>
-          </a:p>
-          <a:p>
-            <a:r>
-              <a:rPr lang="en-US" sz="1600" b="1" dirty="0" smtClean="0"/>
+          </a:p>
+          <a:p>
+            <a:endParaRPr lang="en-US" b="1" dirty="0"/>
+          </a:p>
+          <a:p>
+            <a:r>
+              <a:rPr lang="en-US" sz="1600" b="1" dirty="0"/>
               <a:t>Open Points :</a:t>
             </a:r>
           </a:p>
@@ -6904,18 +6848,14 @@
               <a:t>	</a:t>
             </a:r>
             <a:r>
-              <a:rPr lang="en-US" sz="1400" dirty="0" smtClean="0"/>
+              <a:rPr lang="en-US" sz="1400" dirty="0"/>
               <a:t>Detailed SCM policy Definition</a:t>
             </a:r>
           </a:p>
           <a:p>
             <a:r>
               <a:rPr lang="en-US" sz="1400" dirty="0"/>
-              <a:t>	</a:t>
-            </a:r>
-            <a:r>
-              <a:rPr lang="en-US" sz="1400" dirty="0" smtClean="0"/>
-              <a:t>Repository setup need to defined.</a:t>
+              <a:t>	Repository setup need to defined.</a:t>
             </a:r>
             <a:endParaRPr lang="en-US" dirty="0"/>
           </a:p>
@@ -6970,18 +6910,13 @@
               </a:lnSpc>
             </a:pPr>
             <a:r>
-              <a:rPr lang="en-US" b="1" dirty="0" smtClean="0">
+              <a:rPr lang="en-US" b="1" dirty="0">
                 <a:solidFill>
                   <a:srgbClr val="FFFFFF"/>
                 </a:solidFill>
               </a:rPr>
               <a:t>GIT Proposal - Linux Modules</a:t>
             </a:r>
-            <a:endParaRPr lang="en-US" b="1" dirty="0">
-              <a:solidFill>
-                <a:srgbClr val="FFFFFF"/>
-              </a:solidFill>
-            </a:endParaRPr>
           </a:p>
         </p:txBody>
       </p:sp>
@@ -6998,13 +6933,6 @@
   <p:clrMapOvr>
     <a:masterClrMapping/>
   </p:clrMapOvr>
-  <p:timing>
-    <p:tnLst>
-      <p:par>
-        <p:cTn id="1" dur="indefinite" restart="never" nodeType="tmRoot"/>
-      </p:par>
-    </p:tnLst>
-  </p:timing>
 </p:sld>
 </file>
 
@@ -7109,18 +7037,13 @@
               </a:lnSpc>
             </a:pPr>
             <a:r>
-              <a:rPr lang="en-US" sz="700" smtClean="0">
+              <a:rPr lang="en-US" sz="700">
                 <a:solidFill>
                   <a:srgbClr val="707070"/>
                 </a:solidFill>
               </a:rPr>
               <a:t>Internal  | RBEI/ECA | 6/17/2016 | ©  Robert Bosch Engineering and Business Solutions Private Limited 2016. All rights reserved, also regarding any disposal, exploitation, reproduction, editing, distribution, as well as in the event of applications for industrial property rights.</a:t>
             </a:r>
-            <a:endParaRPr lang="en-US" sz="700">
-              <a:solidFill>
-                <a:srgbClr val="707070"/>
-              </a:solidFill>
-            </a:endParaRPr>
           </a:p>
         </p:txBody>
       </p:sp>
@@ -7173,18 +7096,13 @@
               </a:lnSpc>
             </a:pPr>
             <a:r>
-              <a:rPr lang="en-US" b="1" smtClean="0">
+              <a:rPr lang="en-US" b="1">
                 <a:solidFill>
                   <a:srgbClr val="FFFFFF"/>
                 </a:solidFill>
               </a:rPr>
               <a:t>GIT Proposal</a:t>
             </a:r>
-            <a:endParaRPr lang="en-US" b="1">
-              <a:solidFill>
-                <a:srgbClr val="FFFFFF"/>
-              </a:solidFill>
-            </a:endParaRPr>
           </a:p>
         </p:txBody>
       </p:sp>
@@ -7318,18 +7236,13 @@
           <a:lstStyle/>
           <a:p>
             <a:r>
-              <a:rPr lang="en-US" sz="800" smtClean="0">
+              <a:rPr lang="en-US" sz="800">
                 <a:solidFill>
                   <a:srgbClr val="FFFFFF"/>
                 </a:solidFill>
               </a:rPr>
               <a:t> </a:t>
             </a:r>
-            <a:endParaRPr lang="en-US" sz="800">
-              <a:solidFill>
-                <a:srgbClr val="FFFFFF"/>
-              </a:solidFill>
-            </a:endParaRPr>
           </a:p>
         </p:txBody>
       </p:sp>
@@ -7650,7 +7563,7 @@
           <a:lstStyle/>
           <a:p>
             <a:r>
-              <a:rPr lang="en-US" dirty="0" smtClean="0"/>
+              <a:rPr lang="en-US" dirty="0"/>
               <a:t>Release Process</a:t>
             </a:r>
           </a:p>
@@ -7660,38 +7573,21 @@
           <a:p>
             <a:r>
               <a:rPr lang="en-US" sz="1400" dirty="0"/>
-              <a:t>The </a:t>
-            </a:r>
-            <a:r>
-              <a:rPr lang="en-US" sz="1400" dirty="0" smtClean="0"/>
-              <a:t>GIT software </a:t>
-            </a:r>
+              <a:t>The GIT software delivery process foresees that the developer provides the modifications into a branch in an integrated (final) form. </a:t>
+            </a:r>
+          </a:p>
+          <a:p>
             <a:r>
               <a:rPr lang="en-US" sz="1400" dirty="0"/>
-              <a:t>delivery process foresees that the developer provides the modifications into a branch in an integrated (final) form. </a:t>
-            </a:r>
-            <a:endParaRPr lang="en-US" sz="1400" dirty="0" smtClean="0"/>
-          </a:p>
-          <a:p>
-            <a:r>
-              <a:rPr lang="en-US" sz="1400" dirty="0" smtClean="0"/>
-              <a:t>Developer are </a:t>
-            </a:r>
+              <a:t>Developer are doing an important part of merging against other deliveries former being done less efficient by the integrators as they do naturally not have the full background of this particular modification.</a:t>
+            </a:r>
+          </a:p>
+          <a:p>
+            <a:endParaRPr lang="en-US" sz="1400" dirty="0"/>
+          </a:p>
+          <a:p>
             <a:r>
               <a:rPr lang="en-US" sz="1400" dirty="0"/>
-              <a:t>doing an important part of merging against other deliveries former being done less efficient by the integrators as they do naturally not have the full background of this particular modification</a:t>
-            </a:r>
-            <a:r>
-              <a:rPr lang="en-US" sz="1400" dirty="0" smtClean="0"/>
-              <a:t>.</a:t>
-            </a:r>
-          </a:p>
-          <a:p>
-            <a:endParaRPr lang="en-US" sz="1400" dirty="0" smtClean="0"/>
-          </a:p>
-          <a:p>
-            <a:r>
-              <a:rPr lang="en-US" sz="1400" dirty="0" smtClean="0"/>
               <a:t>ECN flow can be found in docupedia link, But with the release process in NGI Project may not be as similar to this</a:t>
             </a:r>
           </a:p>
@@ -7708,16 +7604,16 @@
             <a:endParaRPr lang="en-US" sz="1400" dirty="0"/>
           </a:p>
           <a:p>
-            <a:endParaRPr lang="en-US" sz="1400" dirty="0" smtClean="0"/>
-          </a:p>
-          <a:p>
             <a:endParaRPr lang="en-US" sz="1400" dirty="0"/>
           </a:p>
           <a:p>
-            <a:endParaRPr lang="en-US" sz="1400" dirty="0" smtClean="0"/>
-          </a:p>
-          <a:p>
-            <a:endParaRPr lang="en-US" sz="1400" dirty="0" smtClean="0"/>
+            <a:endParaRPr lang="en-US" sz="1400" dirty="0"/>
+          </a:p>
+          <a:p>
+            <a:endParaRPr lang="en-US" sz="1400" dirty="0"/>
+          </a:p>
+          <a:p>
+            <a:endParaRPr lang="en-US" sz="1400" dirty="0"/>
           </a:p>
           <a:p>
             <a:endParaRPr lang="en-US" dirty="0"/>
@@ -7740,13 +7636,6 @@
   <p:clrMapOvr>
     <a:masterClrMapping/>
   </p:clrMapOvr>
-  <p:timing>
-    <p:tnLst>
-      <p:par>
-        <p:cTn id="1" dur="indefinite" restart="never" nodeType="tmRoot"/>
-      </p:par>
-    </p:tnLst>
-  </p:timing>
 </p:sld>
 </file>
 
@@ -7851,18 +7740,13 @@
               </a:lnSpc>
             </a:pPr>
             <a:r>
-              <a:rPr lang="en-US" sz="700" smtClean="0">
+              <a:rPr lang="en-US" sz="700">
                 <a:solidFill>
                   <a:srgbClr val="707070"/>
                 </a:solidFill>
               </a:rPr>
               <a:t>Internal  | RBEI/ECA | 6/17/2016 | ©  Robert Bosch Engineering and Business Solutions Private Limited 2016. All rights reserved, also regarding any disposal, exploitation, reproduction, editing, distribution, as well as in the event of applications for industrial property rights.</a:t>
             </a:r>
-            <a:endParaRPr lang="en-US" sz="700">
-              <a:solidFill>
-                <a:srgbClr val="707070"/>
-              </a:solidFill>
-            </a:endParaRPr>
           </a:p>
         </p:txBody>
       </p:sp>
@@ -7915,18 +7799,13 @@
               </a:lnSpc>
             </a:pPr>
             <a:r>
-              <a:rPr lang="en-US" b="1" smtClean="0">
+              <a:rPr lang="en-US" b="1">
                 <a:solidFill>
                   <a:srgbClr val="FFFFFF"/>
                 </a:solidFill>
               </a:rPr>
               <a:t>GIT Proposal</a:t>
             </a:r>
-            <a:endParaRPr lang="en-US" b="1">
-              <a:solidFill>
-                <a:srgbClr val="FFFFFF"/>
-              </a:solidFill>
-            </a:endParaRPr>
           </a:p>
         </p:txBody>
       </p:sp>
@@ -8060,18 +7939,13 @@
           <a:lstStyle/>
           <a:p>
             <a:r>
-              <a:rPr lang="en-US" sz="800" smtClean="0">
+              <a:rPr lang="en-US" sz="800">
                 <a:solidFill>
                   <a:srgbClr val="FFFFFF"/>
                 </a:solidFill>
               </a:rPr>
               <a:t> </a:t>
             </a:r>
-            <a:endParaRPr lang="en-US" sz="800">
-              <a:solidFill>
-                <a:srgbClr val="FFFFFF"/>
-              </a:solidFill>
-            </a:endParaRPr>
           </a:p>
         </p:txBody>
       </p:sp>
@@ -8363,7 +8237,7 @@
           </a:bodyPr>
           <a:lstStyle/>
           <a:p>
-            <a:endParaRPr lang="en-US" sz="1400" dirty="0" smtClean="0"/>
+            <a:endParaRPr lang="en-US" sz="1400" dirty="0"/>
           </a:p>
           <a:p>
             <a:pPr marL="285750" indent="-285750">
@@ -8371,15 +8245,11 @@
               <a:buChar char="v"/>
             </a:pPr>
             <a:r>
-              <a:rPr lang="en-US" sz="1400" dirty="0" smtClean="0"/>
-              <a:t>GIT Infrastructure </a:t>
-            </a:r>
-            <a:r>
               <a:rPr lang="en-US" sz="1400" dirty="0"/>
-              <a:t>is not supported</a:t>
-            </a:r>
-            <a:r>
-              <a:rPr lang="en-US" sz="1400" dirty="0" smtClean="0">
+              <a:t>GIT Infrastructure is not supported</a:t>
+            </a:r>
+            <a:r>
+              <a:rPr lang="en-US" sz="1400" dirty="0">
                 <a:solidFill>
                   <a:srgbClr val="00B050"/>
                 </a:solidFill>
@@ -8388,11 +8258,7 @@
             </a:r>
             <a:r>
               <a:rPr lang="en-US" sz="1400" dirty="0"/>
-              <a:t>by </a:t>
-            </a:r>
-            <a:r>
-              <a:rPr lang="en-US" sz="1400" dirty="0" smtClean="0"/>
-              <a:t>Tooling Team yet. In future they will support.</a:t>
+              <a:t>by Tooling Team yet. In future they will support.</a:t>
             </a:r>
           </a:p>
           <a:p>
@@ -8401,7 +8267,7 @@
               <a:buChar char="v"/>
             </a:pPr>
             <a:r>
-              <a:rPr lang="en-US" sz="1400" dirty="0" smtClean="0"/>
+              <a:rPr lang="en-US" sz="1400" dirty="0"/>
               <a:t>GIT Infrastructure support with Nissan and ECN teams</a:t>
             </a:r>
           </a:p>
@@ -8411,7 +8277,7 @@
               <a:buChar char="v"/>
             </a:pPr>
             <a:r>
-              <a:rPr lang="en-US" sz="1400" dirty="0" smtClean="0"/>
+              <a:rPr lang="en-US" sz="1400" dirty="0"/>
               <a:t>A setup for delivery process to JLR with Planned CI. </a:t>
             </a:r>
           </a:p>
@@ -8421,7 +8287,7 @@
               <a:buChar char="v"/>
             </a:pPr>
             <a:r>
-              <a:rPr lang="en-US" sz="1400" dirty="0" smtClean="0"/>
+              <a:rPr lang="en-US" sz="1400" dirty="0"/>
               <a:t>GIT setup is available in COB to support internal development activities</a:t>
             </a:r>
           </a:p>
@@ -8430,7 +8296,7 @@
           </a:p>
           <a:p>
             <a:r>
-              <a:rPr lang="en-US" sz="1400" dirty="0" smtClean="0"/>
+              <a:rPr lang="en-US" sz="1400" dirty="0"/>
               <a:t>With the above Information's, Infrastructure available during the Data collection for this activity.  </a:t>
             </a:r>
           </a:p>
@@ -8439,32 +8305,24 @@
           </a:p>
           <a:p>
             <a:r>
-              <a:rPr lang="en-US" sz="1400" dirty="0" smtClean="0"/>
+              <a:rPr lang="en-US" sz="1400" dirty="0"/>
               <a:t>We Would like to Handle the our GIT setup </a:t>
             </a:r>
           </a:p>
           <a:p>
             <a:r>
-              <a:rPr lang="en-US" sz="1400" dirty="0" smtClean="0"/>
-              <a:t>1) As </a:t>
-            </a:r>
-            <a:r>
               <a:rPr lang="en-US" sz="1400" dirty="0"/>
-              <a:t>S</a:t>
-            </a:r>
-            <a:r>
-              <a:rPr lang="en-US" sz="1400" dirty="0" smtClean="0"/>
-              <a:t>eparate setup for NGI</a:t>
-            </a:r>
-          </a:p>
-          <a:p>
-            <a:r>
-              <a:rPr lang="en-US" sz="1400" dirty="0" smtClean="0"/>
+              <a:t>1) As Separate setup for NGI</a:t>
+            </a:r>
+          </a:p>
+          <a:p>
+            <a:r>
+              <a:rPr lang="en-US" sz="1400" dirty="0"/>
               <a:t>2) Full responsibility ( Setup , Administration and Release Management )</a:t>
             </a:r>
           </a:p>
           <a:p>
-            <a:endParaRPr lang="en-US" dirty="0" smtClean="0"/>
+            <a:endParaRPr lang="en-US" dirty="0"/>
           </a:p>
           <a:p>
             <a:endParaRPr lang="en-US" dirty="0"/>
@@ -8511,13 +8369,6 @@
   <p:clrMapOvr>
     <a:masterClrMapping/>
   </p:clrMapOvr>
-  <p:timing>
-    <p:tnLst>
-      <p:par>
-        <p:cTn id="1" dur="indefinite" restart="never" nodeType="tmRoot"/>
-      </p:par>
-    </p:tnLst>
-  </p:timing>
 </p:sld>
 </file>
 
@@ -8622,18 +8473,13 @@
               </a:lnSpc>
             </a:pPr>
             <a:r>
-              <a:rPr lang="en-US" sz="700" smtClean="0">
+              <a:rPr lang="en-US" sz="700">
                 <a:solidFill>
                   <a:srgbClr val="707070"/>
                 </a:solidFill>
               </a:rPr>
               <a:t>Internal  | RBEI/ECA | 6/17/2016 | ©  Robert Bosch Engineering and Business Solutions Private Limited 2016. All rights reserved, also regarding any disposal, exploitation, reproduction, editing, distribution, as well as in the event of applications for industrial property rights.</a:t>
             </a:r>
-            <a:endParaRPr lang="en-US" sz="700">
-              <a:solidFill>
-                <a:srgbClr val="707070"/>
-              </a:solidFill>
-            </a:endParaRPr>
           </a:p>
         </p:txBody>
       </p:sp>
@@ -8686,18 +8532,13 @@
               </a:lnSpc>
             </a:pPr>
             <a:r>
-              <a:rPr lang="en-US" b="1" smtClean="0">
+              <a:rPr lang="en-US" b="1">
                 <a:solidFill>
                   <a:srgbClr val="FFFFFF"/>
                 </a:solidFill>
               </a:rPr>
               <a:t>GIT Proposal</a:t>
             </a:r>
-            <a:endParaRPr lang="en-US" b="1">
-              <a:solidFill>
-                <a:srgbClr val="FFFFFF"/>
-              </a:solidFill>
-            </a:endParaRPr>
           </a:p>
         </p:txBody>
       </p:sp>
@@ -8831,18 +8672,13 @@
           <a:lstStyle/>
           <a:p>
             <a:r>
-              <a:rPr lang="en-US" sz="800" smtClean="0">
+              <a:rPr lang="en-US" sz="800">
                 <a:solidFill>
                   <a:srgbClr val="FFFFFF"/>
                 </a:solidFill>
               </a:rPr>
               <a:t> </a:t>
             </a:r>
-            <a:endParaRPr lang="en-US" sz="800">
-              <a:solidFill>
-                <a:srgbClr val="FFFFFF"/>
-              </a:solidFill>
-            </a:endParaRPr>
           </a:p>
         </p:txBody>
       </p:sp>
@@ -9163,17 +8999,17 @@
           <a:lstStyle/>
           <a:p>
             <a:r>
-              <a:rPr lang="en-US" sz="1600" b="1" dirty="0" err="1" smtClean="0"/>
+              <a:rPr lang="en-US" sz="1600" b="1" dirty="0" err="1"/>
               <a:t>GitLab</a:t>
             </a:r>
-            <a:endParaRPr lang="en-US" sz="1600" b="1" dirty="0" smtClean="0"/>
+            <a:endParaRPr lang="en-US" sz="1600" b="1" dirty="0"/>
           </a:p>
           <a:p>
             <a:pPr marL="285750" indent="-285750">
               <a:buFont typeface="Wingdings" panose="05000000000000000000" pitchFamily="2" charset="2"/>
               <a:buChar char="ü"/>
             </a:pPr>
-            <a:endParaRPr lang="en-US" sz="1400" dirty="0" smtClean="0"/>
+            <a:endParaRPr lang="en-US" sz="1400" dirty="0"/>
           </a:p>
           <a:p>
             <a:pPr marL="285750" indent="-285750">
@@ -9181,28 +9017,16 @@
               <a:buChar char="ü"/>
             </a:pPr>
             <a:r>
-              <a:rPr lang="en-US" sz="1400" dirty="0" smtClean="0"/>
-              <a:t>software</a:t>
-            </a:r>
-            <a:r>
               <a:rPr lang="en-US" sz="1400" dirty="0"/>
-              <a:t>, is a web-based </a:t>
-            </a:r>
-            <a:r>
-              <a:rPr lang="en-US" sz="1400" dirty="0" err="1" smtClean="0"/>
+              <a:t>software, is a web-based </a:t>
+            </a:r>
+            <a:r>
+              <a:rPr lang="en-US" sz="1400" dirty="0" err="1"/>
               <a:t>Git</a:t>
             </a:r>
             <a:r>
-              <a:rPr lang="en-US" sz="1400" dirty="0" smtClean="0"/>
-              <a:t> </a:t>
-            </a:r>
-            <a:r>
               <a:rPr lang="en-US" sz="1400" dirty="0"/>
-              <a:t>repository </a:t>
-            </a:r>
-            <a:r>
-              <a:rPr lang="en-US" sz="1400" dirty="0" smtClean="0"/>
-              <a:t>manager</a:t>
+              <a:t> repository manager</a:t>
             </a:r>
           </a:p>
           <a:p>
@@ -9211,14 +9035,9 @@
               <a:buChar char="ü"/>
             </a:pPr>
             <a:r>
-              <a:rPr lang="en-US" sz="1400" dirty="0" smtClean="0"/>
-              <a:t>Provides </a:t>
-            </a:r>
-            <a:r>
               <a:rPr lang="en-US" sz="1400" dirty="0"/>
-              <a:t>access control and several collaboration features such as bug tracking, feature requests, task management, and wikis </a:t>
-            </a:r>
-            <a:endParaRPr lang="en-US" sz="1400" dirty="0" smtClean="0"/>
+              <a:t>Provides access control and several collaboration features such as bug tracking, feature requests, task management, and wikis </a:t>
+            </a:r>
           </a:p>
           <a:p>
             <a:pPr marL="285750" indent="-285750">
@@ -9226,49 +9045,36 @@
               <a:buChar char="ü"/>
             </a:pPr>
             <a:r>
-              <a:rPr lang="en-US" sz="1400" dirty="0" smtClean="0"/>
-              <a:t>product </a:t>
-            </a:r>
-            <a:r>
               <a:rPr lang="en-US" sz="1400" dirty="0"/>
-              <a:t>was split:</a:t>
-            </a:r>
-            <a:endParaRPr lang="en-US" sz="1400" dirty="0" smtClean="0"/>
-          </a:p>
-          <a:p>
-            <a:r>
-              <a:rPr lang="en-US" sz="1400" dirty="0" smtClean="0"/>
+              <a:t>product was split:</a:t>
+            </a:r>
+          </a:p>
+          <a:p>
+            <a:r>
+              <a:rPr lang="en-US" sz="1400" dirty="0"/>
               <a:t>	</a:t>
             </a:r>
             <a:r>
-              <a:rPr lang="en-US" sz="1400" dirty="0" err="1" smtClean="0"/>
+              <a:rPr lang="en-US" sz="1400" dirty="0" err="1"/>
               <a:t>GitLab</a:t>
             </a:r>
             <a:r>
-              <a:rPr lang="en-US" sz="1400" dirty="0" smtClean="0"/>
-              <a:t> </a:t>
-            </a:r>
-            <a:r>
               <a:rPr lang="en-US" sz="1400" dirty="0"/>
-              <a:t>CE: Community Edition</a:t>
-            </a:r>
-          </a:p>
-          <a:p>
-            <a:r>
-              <a:rPr lang="en-US" sz="1400" dirty="0" smtClean="0"/>
+              <a:t> CE: Community Edition</a:t>
+            </a:r>
+          </a:p>
+          <a:p>
+            <a:r>
+              <a:rPr lang="en-US" sz="1400" dirty="0"/>
               <a:t>	</a:t>
             </a:r>
             <a:r>
-              <a:rPr lang="en-US" sz="1400" dirty="0" err="1" smtClean="0"/>
+              <a:rPr lang="en-US" sz="1400" dirty="0" err="1"/>
               <a:t>GitLab</a:t>
             </a:r>
             <a:r>
-              <a:rPr lang="en-US" sz="1400" dirty="0" smtClean="0"/>
-              <a:t> </a:t>
-            </a:r>
-            <a:r>
               <a:rPr lang="en-US" sz="1400" dirty="0"/>
-              <a:t>EE: Enterprise Edition</a:t>
+              <a:t> EE: Enterprise Edition</a:t>
             </a:r>
           </a:p>
           <a:p>
@@ -9277,29 +9083,17 @@
               <a:buChar char="ü"/>
             </a:pPr>
             <a:r>
-              <a:rPr lang="en-US" sz="1400" dirty="0" smtClean="0"/>
-              <a:t>collaborative </a:t>
-            </a:r>
-            <a:r>
               <a:rPr lang="en-US" sz="1400" dirty="0"/>
-              <a:t>development environment (CDE)</a:t>
-            </a:r>
-          </a:p>
-          <a:p>
-            <a:endParaRPr lang="en-US" sz="1400" dirty="0" smtClean="0"/>
-          </a:p>
-          <a:p>
-            <a:r>
-              <a:rPr lang="en-US" sz="1400" b="1" dirty="0" smtClean="0"/>
-              <a:t>source </a:t>
-            </a:r>
+              <a:t>collaborative development environment (CDE)</a:t>
+            </a:r>
+          </a:p>
+          <a:p>
+            <a:endParaRPr lang="en-US" sz="1400" dirty="0"/>
+          </a:p>
+          <a:p>
             <a:r>
               <a:rPr lang="en-US" sz="1400" b="1" dirty="0"/>
-              <a:t>code </a:t>
-            </a:r>
-            <a:r>
-              <a:rPr lang="en-US" sz="1400" b="1" dirty="0" smtClean="0"/>
-              <a:t>repository</a:t>
+              <a:t>source code repository</a:t>
             </a:r>
           </a:p>
           <a:p>
@@ -9328,14 +9122,9 @@
               <a:buChar char="§"/>
             </a:pPr>
             <a:r>
-              <a:rPr lang="en-US" sz="1400" dirty="0" smtClean="0"/>
-              <a:t>multi-developer </a:t>
-            </a:r>
-            <a:r>
               <a:rPr lang="en-US" sz="1400" dirty="0"/>
-              <a:t>projects to handle various versions. </a:t>
-            </a:r>
-            <a:endParaRPr lang="en-US" sz="1400" dirty="0" smtClean="0"/>
+              <a:t>multi-developer projects to handle various versions. </a:t>
+            </a:r>
           </a:p>
           <a:p>
             <a:pPr marL="285750" indent="-285750">
@@ -9343,14 +9132,9 @@
               <a:buChar char="§"/>
             </a:pPr>
             <a:r>
-              <a:rPr lang="en-US" sz="1400" dirty="0" smtClean="0"/>
-              <a:t>developers </a:t>
-            </a:r>
-            <a:r>
               <a:rPr lang="en-US" sz="1400" dirty="0"/>
-              <a:t>submit patches of code in an organized fashion. </a:t>
-            </a:r>
-            <a:endParaRPr lang="en-US" sz="1400" dirty="0" smtClean="0"/>
+              <a:t>developers submit patches of code in an organized fashion. </a:t>
+            </a:r>
           </a:p>
           <a:p>
             <a:pPr marL="285750" indent="-285750">
@@ -9358,12 +9142,8 @@
               <a:buChar char="§"/>
             </a:pPr>
             <a:r>
-              <a:rPr lang="en-US" sz="1400" dirty="0" smtClean="0"/>
-              <a:t>Often </a:t>
-            </a:r>
-            <a:r>
               <a:rPr lang="en-US" sz="1400" dirty="0"/>
-              <a:t>these web sites support version control, bug tracking, release management, mailing lists, and wiki-based documentation.</a:t>
+              <a:t>Often these web sites support version control, bug tracking, release management, mailing lists, and wiki-based documentation.</a:t>
             </a:r>
           </a:p>
           <a:p>
@@ -9374,20 +9154,12 @@
           </a:p>
           <a:p>
             <a:r>
-              <a:rPr lang="en-US" sz="1400" b="1" dirty="0" smtClean="0"/>
-              <a:t>collaborative </a:t>
-            </a:r>
-            <a:r>
               <a:rPr lang="en-US" sz="1400" b="1" dirty="0"/>
-              <a:t>development environment</a:t>
+              <a:t>collaborative development environment</a:t>
             </a:r>
             <a:r>
               <a:rPr lang="en-US" sz="1400" dirty="0"/>
-              <a:t> (CDE</a:t>
-            </a:r>
-            <a:r>
-              <a:rPr lang="en-US" sz="1400" dirty="0" smtClean="0"/>
-              <a:t>)</a:t>
+              <a:t> (CDE)</a:t>
             </a:r>
           </a:p>
           <a:p>
@@ -9396,22 +9168,9 @@
               <a:buChar char="§"/>
             </a:pPr>
             <a:r>
-              <a:rPr lang="en-US" sz="1400" dirty="0" smtClean="0"/>
-              <a:t>online </a:t>
-            </a:r>
-            <a:r>
               <a:rPr lang="en-US" sz="1400" dirty="0"/>
-              <a:t>meeting space where a </a:t>
-            </a:r>
-            <a:r>
-              <a:rPr lang="en-US" sz="1400" dirty="0" smtClean="0"/>
-              <a:t>software </a:t>
-            </a:r>
-            <a:r>
-              <a:rPr lang="en-US" sz="1400" dirty="0"/>
-              <a:t>development project's stakeholders </a:t>
-            </a:r>
-            <a:endParaRPr lang="en-US" sz="1400" dirty="0" smtClean="0"/>
+              <a:t>online meeting space where a software development project's stakeholders </a:t>
+            </a:r>
           </a:p>
           <a:p>
             <a:pPr marL="285750" indent="-285750">
@@ -9419,12 +9178,8 @@
               <a:buChar char="§"/>
             </a:pPr>
             <a:r>
-              <a:rPr lang="en-US" sz="1400" dirty="0" smtClean="0"/>
-              <a:t>can </a:t>
-            </a:r>
-            <a:r>
               <a:rPr lang="en-US" sz="1400" dirty="0"/>
-              <a:t>work together, no matter what </a:t>
+              <a:t>can work together, no matter what </a:t>
             </a:r>
             <a:r>
               <a:rPr lang="en-US" sz="1400" dirty="0" err="1"/>
@@ -9432,11 +9187,7 @@
             </a:r>
             <a:r>
               <a:rPr lang="en-US" sz="1400" dirty="0"/>
-              <a:t> or region they are in</a:t>
-            </a:r>
-            <a:r>
-              <a:rPr lang="en-US" sz="1400" dirty="0" smtClean="0"/>
-              <a:t>,</a:t>
+              <a:t> or region they are in,</a:t>
             </a:r>
           </a:p>
           <a:p>
@@ -9445,14 +9196,9 @@
               <a:buChar char="§"/>
             </a:pPr>
             <a:r>
-              <a:rPr lang="en-US" sz="1400" dirty="0" smtClean="0"/>
-              <a:t>to </a:t>
-            </a:r>
-            <a:r>
               <a:rPr lang="en-US" sz="1400" dirty="0"/>
-              <a:t>discuss, document, and produce project deliverables. </a:t>
-            </a:r>
-            <a:endParaRPr lang="en-US" sz="1400" dirty="0" smtClean="0"/>
+              <a:t>to discuss, document, and produce project deliverables. </a:t>
+            </a:r>
           </a:p>
           <a:p>
             <a:endParaRPr lang="en-US" sz="1400" dirty="0"/>
@@ -9472,13 +9218,6 @@
   <p:clrMapOvr>
     <a:masterClrMapping/>
   </p:clrMapOvr>
-  <p:timing>
-    <p:tnLst>
-      <p:par>
-        <p:cTn id="1" dur="indefinite" restart="never" nodeType="tmRoot"/>
-      </p:par>
-    </p:tnLst>
-  </p:timing>
 </p:sld>
 </file>
 
@@ -9583,18 +9322,13 @@
               </a:lnSpc>
             </a:pPr>
             <a:r>
-              <a:rPr lang="en-US" sz="700" dirty="0" smtClean="0">
+              <a:rPr lang="en-US" sz="700" dirty="0">
                 <a:solidFill>
                   <a:srgbClr val="707070"/>
                 </a:solidFill>
               </a:rPr>
               <a:t>Internal  | RBEI/ECA | 6/17/2016 | ©  Robert Bosch Engineering and Business Solutions Private Limited 2016. All rights reserved, also regarding any disposal, exploitation, reproduction, editing, distribution, as well as in the event of applications for industrial property rights.</a:t>
             </a:r>
-            <a:endParaRPr lang="en-US" sz="700" dirty="0">
-              <a:solidFill>
-                <a:srgbClr val="707070"/>
-              </a:solidFill>
-            </a:endParaRPr>
           </a:p>
         </p:txBody>
       </p:sp>
@@ -9647,18 +9381,13 @@
               </a:lnSpc>
             </a:pPr>
             <a:r>
-              <a:rPr lang="en-US" b="1" smtClean="0">
+              <a:rPr lang="en-US" b="1">
                 <a:solidFill>
                   <a:srgbClr val="FFFFFF"/>
                 </a:solidFill>
               </a:rPr>
               <a:t>GIT Proposal</a:t>
             </a:r>
-            <a:endParaRPr lang="en-US" b="1">
-              <a:solidFill>
-                <a:srgbClr val="FFFFFF"/>
-              </a:solidFill>
-            </a:endParaRPr>
           </a:p>
         </p:txBody>
       </p:sp>
@@ -9792,18 +9521,13 @@
           <a:lstStyle/>
           <a:p>
             <a:r>
-              <a:rPr lang="en-US" sz="800" smtClean="0">
+              <a:rPr lang="en-US" sz="800">
                 <a:solidFill>
                   <a:srgbClr val="FFFFFF"/>
                 </a:solidFill>
               </a:rPr>
               <a:t> </a:t>
             </a:r>
-            <a:endParaRPr lang="en-US" sz="800">
-              <a:solidFill>
-                <a:srgbClr val="FFFFFF"/>
-              </a:solidFill>
-            </a:endParaRPr>
           </a:p>
         </p:txBody>
       </p:sp>
@@ -10124,18 +9848,13 @@
           <a:lstStyle/>
           <a:p>
             <a:r>
-              <a:rPr lang="en-US" dirty="0" smtClean="0">
+              <a:rPr lang="en-US" dirty="0">
                 <a:solidFill>
                   <a:srgbClr val="00B050"/>
                 </a:solidFill>
               </a:rPr>
               <a:t>GIT – Bosch Setup Proposal</a:t>
             </a:r>
-            <a:endParaRPr lang="en-US" dirty="0">
-              <a:solidFill>
-                <a:srgbClr val="00B050"/>
-              </a:solidFill>
-            </a:endParaRPr>
           </a:p>
         </p:txBody>
       </p:sp>
@@ -10580,18 +10299,13 @@
             <a:lstStyle/>
             <a:p>
               <a:r>
-                <a:rPr lang="en-US" sz="1000" dirty="0" smtClean="0">
+                <a:rPr lang="en-US" sz="1000" dirty="0">
                   <a:solidFill>
                     <a:srgbClr val="7030A0"/>
                   </a:solidFill>
                 </a:rPr>
                 <a:t>Push = Release* </a:t>
               </a:r>
-              <a:endParaRPr lang="en-US" sz="1000" dirty="0">
-                <a:solidFill>
-                  <a:srgbClr val="7030A0"/>
-                </a:solidFill>
-              </a:endParaRPr>
             </a:p>
           </p:txBody>
         </p:sp>
@@ -10622,18 +10336,13 @@
             <a:lstStyle/>
             <a:p>
               <a:r>
-                <a:rPr lang="en-US" sz="1000" dirty="0" smtClean="0">
+                <a:rPr lang="en-US" sz="1000" dirty="0">
                   <a:solidFill>
                     <a:srgbClr val="7030A0"/>
                   </a:solidFill>
                 </a:rPr>
                 <a:t>Pull  = Rebase * </a:t>
               </a:r>
-              <a:endParaRPr lang="en-US" sz="1000" dirty="0">
-                <a:solidFill>
-                  <a:srgbClr val="7030A0"/>
-                </a:solidFill>
-              </a:endParaRPr>
             </a:p>
           </p:txBody>
         </p:sp>
@@ -10716,18 +10425,13 @@
             <a:lstStyle/>
             <a:p>
               <a:r>
-                <a:rPr lang="en-US" sz="1100" dirty="0" smtClean="0">
+                <a:rPr lang="en-US" sz="1100" dirty="0">
                   <a:solidFill>
                     <a:srgbClr val="7030A0"/>
                   </a:solidFill>
                 </a:rPr>
                 <a:t>ACL</a:t>
               </a:r>
-              <a:endParaRPr lang="en-US" sz="1100" dirty="0">
-                <a:solidFill>
-                  <a:srgbClr val="7030A0"/>
-                </a:solidFill>
-              </a:endParaRPr>
             </a:p>
           </p:txBody>
         </p:sp>
@@ -10757,18 +10461,13 @@
             <a:lstStyle/>
             <a:p>
               <a:r>
-                <a:rPr lang="en-US" sz="1100" dirty="0" smtClean="0">
+                <a:rPr lang="en-US" sz="1100" dirty="0">
                   <a:solidFill>
                     <a:srgbClr val="7030A0"/>
                   </a:solidFill>
                 </a:rPr>
                 <a:t>Review</a:t>
               </a:r>
-              <a:endParaRPr lang="en-US" sz="1100" dirty="0">
-                <a:solidFill>
-                  <a:srgbClr val="7030A0"/>
-                </a:solidFill>
-              </a:endParaRPr>
             </a:p>
           </p:txBody>
         </p:sp>
@@ -10798,18 +10497,13 @@
             <a:lstStyle/>
             <a:p>
               <a:r>
-                <a:rPr lang="en-US" sz="1100" dirty="0" smtClean="0">
+                <a:rPr lang="en-US" sz="1100" dirty="0">
                   <a:solidFill>
                     <a:srgbClr val="7030A0"/>
                   </a:solidFill>
                 </a:rPr>
                 <a:t>Repository</a:t>
               </a:r>
-              <a:endParaRPr lang="en-US" sz="1100" dirty="0">
-                <a:solidFill>
-                  <a:srgbClr val="7030A0"/>
-                </a:solidFill>
-              </a:endParaRPr>
             </a:p>
           </p:txBody>
         </p:sp>
@@ -10840,18 +10534,13 @@
             <a:lstStyle/>
             <a:p>
               <a:r>
-                <a:rPr lang="en-US" sz="1400" b="1" dirty="0" smtClean="0">
+                <a:rPr lang="en-US" sz="1400" b="1" dirty="0">
                   <a:solidFill>
                     <a:srgbClr val="7030A0"/>
                   </a:solidFill>
                 </a:rPr>
                 <a:t>GIT Server</a:t>
               </a:r>
-              <a:endParaRPr lang="en-US" sz="1400" b="1" dirty="0">
-                <a:solidFill>
-                  <a:srgbClr val="7030A0"/>
-                </a:solidFill>
-              </a:endParaRPr>
             </a:p>
           </p:txBody>
         </p:sp>
@@ -10998,7 +10687,7 @@
           <a:lstStyle/>
           <a:p>
             <a:r>
-              <a:rPr lang="en-US" sz="1100" dirty="0" smtClean="0">
+              <a:rPr lang="en-US" sz="1100" dirty="0">
                 <a:solidFill>
                   <a:srgbClr val="7030A0"/>
                 </a:solidFill>
@@ -11034,7 +10723,7 @@
           <a:lstStyle/>
           <a:p>
             <a:r>
-              <a:rPr lang="en-US" sz="1100" dirty="0" smtClean="0">
+              <a:rPr lang="en-US" sz="1100" dirty="0">
                 <a:solidFill>
                   <a:srgbClr val="7030A0"/>
                 </a:solidFill>
@@ -11070,18 +10759,13 @@
           <a:lstStyle/>
           <a:p>
             <a:r>
-              <a:rPr lang="en-US" sz="1100" dirty="0" smtClean="0">
+              <a:rPr lang="en-US" sz="1100" dirty="0">
                 <a:solidFill>
                   <a:srgbClr val="7030A0"/>
                 </a:solidFill>
               </a:rPr>
               <a:t>Tag</a:t>
             </a:r>
-            <a:endParaRPr lang="en-US" sz="1100" dirty="0">
-              <a:solidFill>
-                <a:srgbClr val="7030A0"/>
-              </a:solidFill>
-            </a:endParaRPr>
           </a:p>
         </p:txBody>
       </p:sp>
@@ -11098,13 +10782,6 @@
   <p:clrMapOvr>
     <a:masterClrMapping/>
   </p:clrMapOvr>
-  <p:timing>
-    <p:tnLst>
-      <p:par>
-        <p:cTn id="1" dur="indefinite" restart="never" nodeType="tmRoot"/>
-      </p:par>
-    </p:tnLst>
-  </p:timing>
 </p:sld>
 </file>
 
@@ -11209,18 +10886,13 @@
               </a:lnSpc>
             </a:pPr>
             <a:r>
-              <a:rPr lang="en-US" sz="700" dirty="0" smtClean="0">
+              <a:rPr lang="en-US" sz="700" dirty="0">
                 <a:solidFill>
                   <a:srgbClr val="707070"/>
                 </a:solidFill>
               </a:rPr>
               <a:t>Internal  | RBEI/ECA | 6/17/2016 | ©  Robert Bosch Engineering and Business Solutions Private Limited 2016. All rights reserved, also regarding any disposal, exploitation, reproduction, editing, distribution, as well as in the event of applications for industrial property rights.</a:t>
             </a:r>
-            <a:endParaRPr lang="en-US" sz="700" dirty="0">
-              <a:solidFill>
-                <a:srgbClr val="707070"/>
-              </a:solidFill>
-            </a:endParaRPr>
           </a:p>
         </p:txBody>
       </p:sp>
@@ -11273,18 +10945,13 @@
               </a:lnSpc>
             </a:pPr>
             <a:r>
-              <a:rPr lang="en-US" b="1" smtClean="0">
+              <a:rPr lang="en-US" b="1">
                 <a:solidFill>
                   <a:srgbClr val="FFFFFF"/>
                 </a:solidFill>
               </a:rPr>
               <a:t>GIT Proposal</a:t>
             </a:r>
-            <a:endParaRPr lang="en-US" b="1">
-              <a:solidFill>
-                <a:srgbClr val="FFFFFF"/>
-              </a:solidFill>
-            </a:endParaRPr>
           </a:p>
         </p:txBody>
       </p:sp>
@@ -11418,18 +11085,13 @@
           <a:lstStyle/>
           <a:p>
             <a:r>
-              <a:rPr lang="en-US" sz="800" smtClean="0">
+              <a:rPr lang="en-US" sz="800">
                 <a:solidFill>
                   <a:srgbClr val="FFFFFF"/>
                 </a:solidFill>
               </a:rPr>
               <a:t> </a:t>
             </a:r>
-            <a:endParaRPr lang="en-US" sz="800">
-              <a:solidFill>
-                <a:srgbClr val="FFFFFF"/>
-              </a:solidFill>
-            </a:endParaRPr>
           </a:p>
         </p:txBody>
       </p:sp>
@@ -11750,18 +11412,13 @@
           <a:lstStyle/>
           <a:p>
             <a:r>
-              <a:rPr lang="en-US" sz="1000" dirty="0" smtClean="0">
+              <a:rPr lang="en-US" sz="1000" dirty="0">
                 <a:solidFill>
                   <a:srgbClr val="7030A0"/>
                 </a:solidFill>
               </a:rPr>
               <a:t>Push = Release* </a:t>
             </a:r>
-            <a:endParaRPr lang="en-US" sz="1000" dirty="0">
-              <a:solidFill>
-                <a:srgbClr val="7030A0"/>
-              </a:solidFill>
-            </a:endParaRPr>
           </a:p>
         </p:txBody>
       </p:sp>
@@ -12194,18 +11851,13 @@
           <a:lstStyle/>
           <a:p>
             <a:r>
-              <a:rPr lang="en-US" sz="1000" dirty="0" smtClean="0">
+              <a:rPr lang="en-US" sz="1000" dirty="0">
                 <a:solidFill>
                   <a:srgbClr val="7030A0"/>
                 </a:solidFill>
               </a:rPr>
               <a:t>Pull  = Rebase * </a:t>
             </a:r>
-            <a:endParaRPr lang="en-US" sz="1000" dirty="0">
-              <a:solidFill>
-                <a:srgbClr val="7030A0"/>
-              </a:solidFill>
-            </a:endParaRPr>
           </a:p>
         </p:txBody>
       </p:sp>
@@ -12290,18 +11942,13 @@
           <a:lstStyle/>
           <a:p>
             <a:r>
-              <a:rPr lang="en-US" sz="1100" dirty="0" smtClean="0">
+              <a:rPr lang="en-US" sz="1100" dirty="0">
                 <a:solidFill>
                   <a:srgbClr val="7030A0"/>
                 </a:solidFill>
               </a:rPr>
               <a:t>ACL</a:t>
             </a:r>
-            <a:endParaRPr lang="en-US" sz="1100" dirty="0">
-              <a:solidFill>
-                <a:srgbClr val="7030A0"/>
-              </a:solidFill>
-            </a:endParaRPr>
           </a:p>
         </p:txBody>
       </p:sp>
@@ -12318,7 +11965,7 @@
         <p:spPr>
           <a:xfrm>
             <a:off x="6038273" y="2097772"/>
-            <a:ext cx="821104" cy="261610"/>
+            <a:ext cx="821104" cy="430887"/>
           </a:xfrm>
           <a:prstGeom prst="rect">
             <a:avLst/>
@@ -12331,12 +11978,12 @@
           <a:lstStyle/>
           <a:p>
             <a:r>
-              <a:rPr lang="en-US" sz="1100" dirty="0" smtClean="0">
+              <a:rPr lang="en-US" sz="1100">
                 <a:solidFill>
                   <a:srgbClr val="7030A0"/>
                 </a:solidFill>
               </a:rPr>
-              <a:t>Review</a:t>
+              <a:t>Review more</a:t>
             </a:r>
             <a:endParaRPr lang="en-US" sz="1100" dirty="0">
               <a:solidFill>
@@ -12372,18 +12019,13 @@
           <a:lstStyle/>
           <a:p>
             <a:r>
-              <a:rPr lang="en-US" sz="1100" dirty="0" smtClean="0">
+              <a:rPr lang="en-US" sz="1100" dirty="0">
                 <a:solidFill>
                   <a:srgbClr val="7030A0"/>
                 </a:solidFill>
               </a:rPr>
               <a:t>Repository</a:t>
             </a:r>
-            <a:endParaRPr lang="en-US" sz="1100" dirty="0">
-              <a:solidFill>
-                <a:srgbClr val="7030A0"/>
-              </a:solidFill>
-            </a:endParaRPr>
           </a:p>
         </p:txBody>
       </p:sp>
@@ -12414,18 +12056,13 @@
           <a:lstStyle/>
           <a:p>
             <a:r>
-              <a:rPr lang="en-US" sz="1400" b="1" dirty="0" smtClean="0">
+              <a:rPr lang="en-US" sz="1400" b="1" dirty="0">
                 <a:solidFill>
                   <a:srgbClr val="7030A0"/>
                 </a:solidFill>
               </a:rPr>
               <a:t>GIT Server</a:t>
             </a:r>
-            <a:endParaRPr lang="en-US" sz="1400" b="1" dirty="0">
-              <a:solidFill>
-                <a:srgbClr val="7030A0"/>
-              </a:solidFill>
-            </a:endParaRPr>
           </a:p>
         </p:txBody>
       </p:sp>
@@ -12590,18 +12227,13 @@
           <a:lstStyle/>
           <a:p>
             <a:r>
-              <a:rPr lang="en-US" sz="1000" dirty="0" smtClean="0">
+              <a:rPr lang="en-US" sz="1000" dirty="0">
                 <a:solidFill>
                   <a:srgbClr val="7030A0"/>
                 </a:solidFill>
               </a:rPr>
               <a:t>Push</a:t>
             </a:r>
-            <a:endParaRPr lang="en-US" sz="1000" dirty="0">
-              <a:solidFill>
-                <a:srgbClr val="7030A0"/>
-              </a:solidFill>
-            </a:endParaRPr>
           </a:p>
         </p:txBody>
       </p:sp>
@@ -12632,18 +12264,13 @@
           <a:lstStyle/>
           <a:p>
             <a:r>
-              <a:rPr lang="en-US" sz="1000" dirty="0" smtClean="0">
+              <a:rPr lang="en-US" sz="1000" dirty="0">
                 <a:solidFill>
                   <a:srgbClr val="7030A0"/>
                 </a:solidFill>
               </a:rPr>
               <a:t>Pull</a:t>
             </a:r>
-            <a:endParaRPr lang="en-US" sz="1000" dirty="0">
-              <a:solidFill>
-                <a:srgbClr val="7030A0"/>
-              </a:solidFill>
-            </a:endParaRPr>
           </a:p>
         </p:txBody>
       </p:sp>
@@ -12674,18 +12301,13 @@
           <a:lstStyle/>
           <a:p>
             <a:r>
-              <a:rPr lang="en-US" dirty="0" smtClean="0">
+              <a:rPr lang="en-US" dirty="0">
                 <a:solidFill>
                   <a:srgbClr val="00B050"/>
                 </a:solidFill>
               </a:rPr>
               <a:t>GIT – Bosch, JLR Setup</a:t>
             </a:r>
-            <a:endParaRPr lang="en-US" dirty="0">
-              <a:solidFill>
-                <a:srgbClr val="00B050"/>
-              </a:solidFill>
-            </a:endParaRPr>
           </a:p>
         </p:txBody>
       </p:sp>
@@ -12702,13 +12324,6 @@
   <p:clrMapOvr>
     <a:masterClrMapping/>
   </p:clrMapOvr>
-  <p:timing>
-    <p:tnLst>
-      <p:par>
-        <p:cTn id="1" dur="indefinite" restart="never" nodeType="tmRoot"/>
-      </p:par>
-    </p:tnLst>
-  </p:timing>
 </p:sld>
 </file>
 
@@ -12813,18 +12428,13 @@
               </a:lnSpc>
             </a:pPr>
             <a:r>
-              <a:rPr lang="en-US" sz="700" smtClean="0">
+              <a:rPr lang="en-US" sz="700">
                 <a:solidFill>
                   <a:srgbClr val="707070"/>
                 </a:solidFill>
               </a:rPr>
               <a:t>Internal  | RBEI/ECA | 6/17/2016 | ©  Robert Bosch Engineering and Business Solutions Private Limited 2016. All rights reserved, also regarding any disposal, exploitation, reproduction, editing, distribution, as well as in the event of applications for industrial property rights.</a:t>
             </a:r>
-            <a:endParaRPr lang="en-US" sz="700">
-              <a:solidFill>
-                <a:srgbClr val="707070"/>
-              </a:solidFill>
-            </a:endParaRPr>
           </a:p>
         </p:txBody>
       </p:sp>
@@ -12877,18 +12487,13 @@
               </a:lnSpc>
             </a:pPr>
             <a:r>
-              <a:rPr lang="en-US" b="1" smtClean="0">
+              <a:rPr lang="en-US" b="1">
                 <a:solidFill>
                   <a:srgbClr val="FFFFFF"/>
                 </a:solidFill>
               </a:rPr>
               <a:t>GIT Proposal</a:t>
             </a:r>
-            <a:endParaRPr lang="en-US" b="1">
-              <a:solidFill>
-                <a:srgbClr val="FFFFFF"/>
-              </a:solidFill>
-            </a:endParaRPr>
           </a:p>
         </p:txBody>
       </p:sp>
@@ -13022,18 +12627,13 @@
           <a:lstStyle/>
           <a:p>
             <a:r>
-              <a:rPr lang="en-US" sz="800" smtClean="0">
+              <a:rPr lang="en-US" sz="800">
                 <a:solidFill>
                   <a:srgbClr val="FFFFFF"/>
                 </a:solidFill>
               </a:rPr>
               <a:t> </a:t>
             </a:r>
-            <a:endParaRPr lang="en-US" sz="800">
-              <a:solidFill>
-                <a:srgbClr val="FFFFFF"/>
-              </a:solidFill>
-            </a:endParaRPr>
           </a:p>
         </p:txBody>
       </p:sp>
@@ -13354,16 +12954,16 @@
           <a:lstStyle/>
           <a:p>
             <a:r>
-              <a:rPr lang="en-US" dirty="0" smtClean="0"/>
+              <a:rPr lang="en-US" dirty="0"/>
               <a:t>Infrastructure</a:t>
             </a:r>
           </a:p>
           <a:p>
-            <a:endParaRPr lang="en-US" sz="1400" dirty="0" smtClean="0"/>
-          </a:p>
-          <a:p>
-            <a:r>
-              <a:rPr lang="en-US" sz="1400" dirty="0" smtClean="0"/>
+            <a:endParaRPr lang="en-US" sz="1400" dirty="0"/>
+          </a:p>
+          <a:p>
+            <a:r>
+              <a:rPr lang="en-US" sz="1400" dirty="0"/>
               <a:t>~ 10 people in Linux Modules</a:t>
             </a:r>
           </a:p>
@@ -13377,28 +12977,20 @@
             </a:r>
           </a:p>
           <a:p>
-            <a:endParaRPr lang="en-US" sz="1400" dirty="0" smtClean="0"/>
-          </a:p>
-          <a:p>
-            <a:r>
-              <a:rPr lang="en-US" sz="1400" dirty="0" smtClean="0"/>
-              <a:t>Changes with Other suppliers : </a:t>
-            </a:r>
+            <a:endParaRPr lang="en-US" sz="1400" dirty="0"/>
+          </a:p>
+          <a:p>
             <a:r>
               <a:rPr lang="en-US" sz="1400" dirty="0"/>
-              <a:t>GIT Mirror </a:t>
-            </a:r>
-            <a:r>
-              <a:rPr lang="en-US" sz="1400" dirty="0" smtClean="0"/>
-              <a:t>at HI can be Planned together with complete NGI Movement</a:t>
-            </a:r>
-          </a:p>
-          <a:p>
-            <a:endParaRPr lang="en-US" sz="1400" dirty="0" smtClean="0"/>
-          </a:p>
-          <a:p>
-            <a:r>
-              <a:rPr lang="en-US" sz="1400" dirty="0" smtClean="0"/>
+              <a:t>Changes with Other suppliers : GIT Mirror at HI can be Planned together with complete NGI Movement</a:t>
+            </a:r>
+          </a:p>
+          <a:p>
+            <a:endParaRPr lang="en-US" sz="1400" dirty="0"/>
+          </a:p>
+          <a:p>
+            <a:r>
+              <a:rPr lang="en-US" sz="1400" dirty="0"/>
               <a:t>Minimum Requirement</a:t>
             </a:r>
           </a:p>
@@ -13416,16 +13008,8 @@
           </a:p>
           <a:p>
             <a:r>
-              <a:rPr lang="en-US" sz="1400" dirty="0" smtClean="0"/>
-              <a:t>Storage </a:t>
-            </a:r>
-            <a:r>
               <a:rPr lang="en-US" sz="1400" dirty="0"/>
-              <a:t>– </a:t>
-            </a:r>
-            <a:r>
-              <a:rPr lang="en-US" sz="1400" dirty="0" smtClean="0"/>
-              <a:t>1 TB</a:t>
+              <a:t>Storage – 1 TB</a:t>
             </a:r>
           </a:p>
           <a:p>
@@ -13433,16 +13017,8 @@
           </a:p>
           <a:p>
             <a:r>
-              <a:rPr lang="en-US" sz="1400" dirty="0" smtClean="0"/>
-              <a:t>Based </a:t>
-            </a:r>
-            <a:r>
               <a:rPr lang="en-US" sz="1400" dirty="0"/>
-              <a:t>on repository size. we  can attach hard disk additionally, In case we need space</a:t>
-            </a:r>
-            <a:r>
-              <a:rPr lang="en-US" sz="1400" dirty="0" smtClean="0"/>
-              <a:t>.</a:t>
+              <a:t>Based on repository size. we  can attach hard disk additionally, In case we need space.</a:t>
             </a:r>
           </a:p>
           <a:p>
@@ -13452,14 +13028,13 @@
             <a:endParaRPr lang="en-US" sz="1400" dirty="0"/>
           </a:p>
           <a:p>
-            <a:endParaRPr lang="en-US" sz="1400" dirty="0" smtClean="0"/>
-          </a:p>
-          <a:p>
-            <a:r>
-              <a:rPr lang="en-US" sz="1400" dirty="0" smtClean="0"/>
+            <a:endParaRPr lang="en-US" sz="1400" dirty="0"/>
+          </a:p>
+          <a:p>
+            <a:r>
+              <a:rPr lang="en-US" sz="1400" dirty="0"/>
               <a:t> </a:t>
             </a:r>
-            <a:endParaRPr lang="en-US" sz="1400" dirty="0"/>
           </a:p>
         </p:txBody>
       </p:sp>
@@ -13476,13 +13051,6 @@
   <p:clrMapOvr>
     <a:masterClrMapping/>
   </p:clrMapOvr>
-  <p:timing>
-    <p:tnLst>
-      <p:par>
-        <p:cTn id="1" dur="indefinite" restart="never" nodeType="tmRoot"/>
-      </p:par>
-    </p:tnLst>
-  </p:timing>
 </p:sld>
 </file>
 
